--- a/JAVA_TSJ.pptx
+++ b/JAVA_TSJ.pptx
@@ -10,12 +10,13 @@
     <p:sldId id="258" r:id="rId4"/>
     <p:sldId id="266" r:id="rId5"/>
     <p:sldId id="259" r:id="rId6"/>
-    <p:sldId id="260" r:id="rId7"/>
-    <p:sldId id="267" r:id="rId8"/>
-    <p:sldId id="268" r:id="rId9"/>
-    <p:sldId id="269" r:id="rId10"/>
-    <p:sldId id="264" r:id="rId11"/>
-    <p:sldId id="265" r:id="rId12"/>
+    <p:sldId id="270" r:id="rId7"/>
+    <p:sldId id="260" r:id="rId8"/>
+    <p:sldId id="267" r:id="rId9"/>
+    <p:sldId id="268" r:id="rId10"/>
+    <p:sldId id="269" r:id="rId11"/>
+    <p:sldId id="264" r:id="rId12"/>
+    <p:sldId id="265" r:id="rId13"/>
   </p:sldIdLst>
   <p:sldSz cx="12192000" cy="6858000"/>
   <p:notesSz cx="6858000" cy="9144000"/>
@@ -120,6 +121,66 @@
     </p:ext>
   </p:extLst>
 </p:presentation>
+</file>
+
+<file path=ppt/revisionInfo.xml><?xml version="1.0" encoding="utf-8"?>
+<p1510:revInfo xmlns:a="http://schemas.openxmlformats.org/drawingml/2006/main" xmlns:r="http://schemas.openxmlformats.org/officeDocument/2006/relationships" xmlns:p1510="http://schemas.microsoft.com/office/powerpoint/2015/10/main">
+  <p1510:revLst>
+    <p1510:client id="{769A3353-FD8B-4C7E-B5F7-B86CF57B6B3B}" v="1" dt="2021-06-21T23:00:36.192"/>
+  </p1510:revLst>
+</p1510:revInfo>
+</file>
+
+<file path=ppt/changesInfos/changesInfo1.xml><?xml version="1.0" encoding="utf-8"?>
+<pc:chgInfo xmlns:a="http://schemas.openxmlformats.org/drawingml/2006/main" xmlns:r="http://schemas.openxmlformats.org/officeDocument/2006/relationships" xmlns:ac="http://schemas.microsoft.com/office/drawing/2013/main/command" xmlns:pc="http://schemas.microsoft.com/office/powerpoint/2013/main/command">
+  <pc:docChgLst>
+    <pc:chgData name="not found 404" userId="975d476c7f984e95" providerId="LiveId" clId="{769A3353-FD8B-4C7E-B5F7-B86CF57B6B3B}"/>
+    <pc:docChg chg="custSel addSld modSld">
+      <pc:chgData name="not found 404" userId="975d476c7f984e95" providerId="LiveId" clId="{769A3353-FD8B-4C7E-B5F7-B86CF57B6B3B}" dt="2021-06-21T23:09:53.844" v="1003" actId="27636"/>
+      <pc:docMkLst>
+        <pc:docMk/>
+      </pc:docMkLst>
+      <pc:sldChg chg="modSp mod">
+        <pc:chgData name="not found 404" userId="975d476c7f984e95" providerId="LiveId" clId="{769A3353-FD8B-4C7E-B5F7-B86CF57B6B3B}" dt="2021-06-21T23:09:53.844" v="1003" actId="27636"/>
+        <pc:sldMkLst>
+          <pc:docMk/>
+          <pc:sldMk cId="3250850210" sldId="264"/>
+        </pc:sldMkLst>
+        <pc:spChg chg="mod">
+          <ac:chgData name="not found 404" userId="975d476c7f984e95" providerId="LiveId" clId="{769A3353-FD8B-4C7E-B5F7-B86CF57B6B3B}" dt="2021-06-21T23:09:53.844" v="1003" actId="27636"/>
+          <ac:spMkLst>
+            <pc:docMk/>
+            <pc:sldMk cId="3250850210" sldId="264"/>
+            <ac:spMk id="3" creationId="{00000000-0000-0000-0000-000000000000}"/>
+          </ac:spMkLst>
+        </pc:spChg>
+      </pc:sldChg>
+      <pc:sldChg chg="modSp add mod">
+        <pc:chgData name="not found 404" userId="975d476c7f984e95" providerId="LiveId" clId="{769A3353-FD8B-4C7E-B5F7-B86CF57B6B3B}" dt="2021-06-21T23:09:15.560" v="993" actId="20577"/>
+        <pc:sldMkLst>
+          <pc:docMk/>
+          <pc:sldMk cId="2062052050" sldId="270"/>
+        </pc:sldMkLst>
+        <pc:spChg chg="mod">
+          <ac:chgData name="not found 404" userId="975d476c7f984e95" providerId="LiveId" clId="{769A3353-FD8B-4C7E-B5F7-B86CF57B6B3B}" dt="2021-06-21T23:01:02.604" v="36" actId="20577"/>
+          <ac:spMkLst>
+            <pc:docMk/>
+            <pc:sldMk cId="2062052050" sldId="270"/>
+            <ac:spMk id="2" creationId="{00000000-0000-0000-0000-000000000000}"/>
+          </ac:spMkLst>
+        </pc:spChg>
+        <pc:spChg chg="mod">
+          <ac:chgData name="not found 404" userId="975d476c7f984e95" providerId="LiveId" clId="{769A3353-FD8B-4C7E-B5F7-B86CF57B6B3B}" dt="2021-06-21T23:09:15.560" v="993" actId="20577"/>
+          <ac:spMkLst>
+            <pc:docMk/>
+            <pc:sldMk cId="2062052050" sldId="270"/>
+            <ac:spMk id="3" creationId="{00000000-0000-0000-0000-000000000000}"/>
+          </ac:spMkLst>
+        </pc:spChg>
+      </pc:sldChg>
+    </pc:docChg>
+  </pc:docChgLst>
+</pc:chgInfo>
 </file>
 
 <file path=ppt/slideLayouts/slideLayout1.xml><?xml version="1.0" encoding="utf-8"?>
@@ -844,7 +905,7 @@
           <a:p>
             <a:fld id="{6577364E-A8DA-4BBF-8941-ED6A545EBD89}" type="datetimeFigureOut">
               <a:rPr lang="zh-TW" altLang="en-US" smtClean="0"/>
-              <a:t>2021/6/21</a:t>
+              <a:t>2021/6/22</a:t>
             </a:fld>
             <a:endParaRPr lang="zh-TW" altLang="en-US"/>
           </a:p>
@@ -1095,7 +1156,7 @@
           <a:p>
             <a:fld id="{6577364E-A8DA-4BBF-8941-ED6A545EBD89}" type="datetimeFigureOut">
               <a:rPr lang="zh-TW" altLang="en-US" smtClean="0"/>
-              <a:t>2021/6/21</a:t>
+              <a:t>2021/6/22</a:t>
             </a:fld>
             <a:endParaRPr lang="zh-TW" altLang="en-US"/>
           </a:p>
@@ -1409,7 +1470,7 @@
           <a:p>
             <a:fld id="{6577364E-A8DA-4BBF-8941-ED6A545EBD89}" type="datetimeFigureOut">
               <a:rPr lang="zh-TW" altLang="en-US" smtClean="0"/>
-              <a:t>2021/6/21</a:t>
+              <a:t>2021/6/22</a:t>
             </a:fld>
             <a:endParaRPr lang="zh-TW" altLang="en-US"/>
           </a:p>
@@ -1750,7 +1811,7 @@
           <a:p>
             <a:fld id="{6577364E-A8DA-4BBF-8941-ED6A545EBD89}" type="datetimeFigureOut">
               <a:rPr lang="zh-TW" altLang="en-US" smtClean="0"/>
-              <a:t>2021/6/21</a:t>
+              <a:t>2021/6/22</a:t>
             </a:fld>
             <a:endParaRPr lang="zh-TW" altLang="en-US"/>
           </a:p>
@@ -2064,7 +2125,7 @@
           <a:p>
             <a:fld id="{6577364E-A8DA-4BBF-8941-ED6A545EBD89}" type="datetimeFigureOut">
               <a:rPr lang="zh-TW" altLang="en-US" smtClean="0"/>
-              <a:t>2021/6/21</a:t>
+              <a:t>2021/6/22</a:t>
             </a:fld>
             <a:endParaRPr lang="zh-TW" altLang="en-US"/>
           </a:p>
@@ -2457,7 +2518,7 @@
           <a:p>
             <a:fld id="{6577364E-A8DA-4BBF-8941-ED6A545EBD89}" type="datetimeFigureOut">
               <a:rPr lang="zh-TW" altLang="en-US" smtClean="0"/>
-              <a:t>2021/6/21</a:t>
+              <a:t>2021/6/22</a:t>
             </a:fld>
             <a:endParaRPr lang="zh-TW" altLang="en-US"/>
           </a:p>
@@ -2627,7 +2688,7 @@
           <a:p>
             <a:fld id="{6577364E-A8DA-4BBF-8941-ED6A545EBD89}" type="datetimeFigureOut">
               <a:rPr lang="zh-TW" altLang="en-US" smtClean="0"/>
-              <a:t>2021/6/21</a:t>
+              <a:t>2021/6/22</a:t>
             </a:fld>
             <a:endParaRPr lang="zh-TW" altLang="en-US"/>
           </a:p>
@@ -2807,7 +2868,7 @@
           <a:p>
             <a:fld id="{6577364E-A8DA-4BBF-8941-ED6A545EBD89}" type="datetimeFigureOut">
               <a:rPr lang="zh-TW" altLang="en-US" smtClean="0"/>
-              <a:t>2021/6/21</a:t>
+              <a:t>2021/6/22</a:t>
             </a:fld>
             <a:endParaRPr lang="zh-TW" altLang="en-US"/>
           </a:p>
@@ -2983,7 +3044,7 @@
           <a:p>
             <a:fld id="{6577364E-A8DA-4BBF-8941-ED6A545EBD89}" type="datetimeFigureOut">
               <a:rPr lang="zh-TW" altLang="en-US" smtClean="0"/>
-              <a:t>2021/6/21</a:t>
+              <a:t>2021/6/22</a:t>
             </a:fld>
             <a:endParaRPr lang="zh-TW" altLang="en-US"/>
           </a:p>
@@ -3230,7 +3291,7 @@
           <a:p>
             <a:fld id="{6577364E-A8DA-4BBF-8941-ED6A545EBD89}" type="datetimeFigureOut">
               <a:rPr lang="zh-TW" altLang="en-US" smtClean="0"/>
-              <a:t>2021/6/21</a:t>
+              <a:t>2021/6/22</a:t>
             </a:fld>
             <a:endParaRPr lang="zh-TW" altLang="en-US"/>
           </a:p>
@@ -3462,7 +3523,7 @@
           <a:p>
             <a:fld id="{6577364E-A8DA-4BBF-8941-ED6A545EBD89}" type="datetimeFigureOut">
               <a:rPr lang="zh-TW" altLang="en-US" smtClean="0"/>
-              <a:t>2021/6/21</a:t>
+              <a:t>2021/6/22</a:t>
             </a:fld>
             <a:endParaRPr lang="zh-TW" altLang="en-US"/>
           </a:p>
@@ -3836,7 +3897,7 @@
           <a:p>
             <a:fld id="{6577364E-A8DA-4BBF-8941-ED6A545EBD89}" type="datetimeFigureOut">
               <a:rPr lang="zh-TW" altLang="en-US" smtClean="0"/>
-              <a:t>2021/6/21</a:t>
+              <a:t>2021/6/22</a:t>
             </a:fld>
             <a:endParaRPr lang="zh-TW" altLang="en-US"/>
           </a:p>
@@ -3959,7 +4020,7 @@
           <a:p>
             <a:fld id="{6577364E-A8DA-4BBF-8941-ED6A545EBD89}" type="datetimeFigureOut">
               <a:rPr lang="zh-TW" altLang="en-US" smtClean="0"/>
-              <a:t>2021/6/21</a:t>
+              <a:t>2021/6/22</a:t>
             </a:fld>
             <a:endParaRPr lang="zh-TW" altLang="en-US"/>
           </a:p>
@@ -4054,7 +4115,7 @@
           <a:p>
             <a:fld id="{6577364E-A8DA-4BBF-8941-ED6A545EBD89}" type="datetimeFigureOut">
               <a:rPr lang="zh-TW" altLang="en-US" smtClean="0"/>
-              <a:t>2021/6/21</a:t>
+              <a:t>2021/6/22</a:t>
             </a:fld>
             <a:endParaRPr lang="zh-TW" altLang="en-US"/>
           </a:p>
@@ -4309,7 +4370,7 @@
           <a:p>
             <a:fld id="{6577364E-A8DA-4BBF-8941-ED6A545EBD89}" type="datetimeFigureOut">
               <a:rPr lang="zh-TW" altLang="en-US" smtClean="0"/>
-              <a:t>2021/6/21</a:t>
+              <a:t>2021/6/22</a:t>
             </a:fld>
             <a:endParaRPr lang="zh-TW" altLang="en-US"/>
           </a:p>
@@ -4572,7 +4633,7 @@
           <a:p>
             <a:fld id="{6577364E-A8DA-4BBF-8941-ED6A545EBD89}" type="datetimeFigureOut">
               <a:rPr lang="zh-TW" altLang="en-US" smtClean="0"/>
-              <a:t>2021/6/21</a:t>
+              <a:t>2021/6/22</a:t>
             </a:fld>
             <a:endParaRPr lang="zh-TW" altLang="en-US"/>
           </a:p>
@@ -5315,7 +5376,7 @@
           <a:p>
             <a:fld id="{6577364E-A8DA-4BBF-8941-ED6A545EBD89}" type="datetimeFigureOut">
               <a:rPr lang="zh-TW" altLang="en-US" smtClean="0"/>
-              <a:t>2021/6/21</a:t>
+              <a:t>2021/6/22</a:t>
             </a:fld>
             <a:endParaRPr lang="zh-TW" altLang="en-US"/>
           </a:p>
@@ -5985,6 +6046,140 @@
           <a:p>
             <a:r>
               <a:rPr lang="zh-TW" altLang="en-US" dirty="0"/>
+              <a:t>過程中遭遇困難－讀取檔案＆資料處理</a:t>
+            </a:r>
+          </a:p>
+        </p:txBody>
+      </p:sp>
+      <p:sp>
+        <p:nvSpPr>
+          <p:cNvPr id="3" name="內容版面配置區 2"/>
+          <p:cNvSpPr>
+            <a:spLocks noGrp="1"/>
+          </p:cNvSpPr>
+          <p:nvPr>
+            <p:ph idx="1"/>
+          </p:nvPr>
+        </p:nvSpPr>
+        <p:spPr>
+          <a:xfrm>
+            <a:off x="677334" y="1622707"/>
+            <a:ext cx="9112125" cy="4482258"/>
+          </a:xfrm>
+        </p:spPr>
+        <p:txBody>
+          <a:bodyPr>
+            <a:noAutofit/>
+          </a:bodyPr>
+          <a:lstStyle/>
+          <a:p>
+            <a:pPr marL="0" indent="0">
+              <a:buNone/>
+            </a:pPr>
+            <a:r>
+              <a:rPr lang="zh-TW" altLang="en-US" sz="2200" dirty="0"/>
+              <a:t>格式問題：</a:t>
+            </a:r>
+          </a:p>
+          <a:p>
+            <a:r>
+              <a:rPr lang="zh-TW" altLang="en-US" sz="2200" dirty="0"/>
+              <a:t>我們建了一個ｊｕｄｇｅ的ｃｌａｓｓ專門處理這類要做判斷的問題。</a:t>
+            </a:r>
+            <a:endParaRPr lang="en-US" altLang="zh-TW" sz="2200" dirty="0"/>
+          </a:p>
+          <a:p>
+            <a:pPr marL="0" indent="0">
+              <a:buNone/>
+            </a:pPr>
+            <a:endParaRPr lang="en-US" altLang="zh-TW" sz="2200" dirty="0"/>
+          </a:p>
+          <a:p>
+            <a:pPr marL="0" indent="0">
+              <a:buNone/>
+            </a:pPr>
+            <a:r>
+              <a:rPr lang="zh-TW" altLang="en-US" sz="2200" dirty="0"/>
+              <a:t>對於首次試用的使用者操作上會有困難：</a:t>
+            </a:r>
+            <a:endParaRPr lang="en-US" altLang="zh-TW" sz="2200" dirty="0"/>
+          </a:p>
+          <a:p>
+            <a:r>
+              <a:rPr lang="zh-TW" altLang="en-US" sz="2200" dirty="0"/>
+              <a:t>我們用跳出ｄｏｃ訊息的方式告知使用方法。</a:t>
+            </a:r>
+            <a:endParaRPr lang="en-US" altLang="zh-TW" sz="2200" dirty="0"/>
+          </a:p>
+          <a:p>
+            <a:endParaRPr lang="en-US" altLang="zh-TW" sz="2200" dirty="0"/>
+          </a:p>
+          <a:p>
+            <a:pPr marL="0" indent="0">
+              <a:buNone/>
+            </a:pPr>
+            <a:r>
+              <a:rPr lang="zh-TW" altLang="en-US" sz="2200" dirty="0"/>
+              <a:t>生成大型測資不易：</a:t>
+            </a:r>
+            <a:endParaRPr lang="en-US" altLang="zh-TW" sz="2200" dirty="0"/>
+          </a:p>
+          <a:p>
+            <a:r>
+              <a:rPr lang="zh-TW" altLang="en-US" sz="2200" dirty="0"/>
+              <a:t>為此我們建置了直接讀取檔案文件和產生隨機陣列這兩種讀入的方法。</a:t>
+            </a:r>
+            <a:endParaRPr lang="en-US" altLang="zh-TW" sz="2200" dirty="0"/>
+          </a:p>
+        </p:txBody>
+      </p:sp>
+    </p:spTree>
+    <p:extLst>
+      <p:ext uri="{BB962C8B-B14F-4D97-AF65-F5344CB8AC3E}">
+        <p14:creationId xmlns:p14="http://schemas.microsoft.com/office/powerpoint/2010/main" val="3410367381"/>
+      </p:ext>
+    </p:extLst>
+  </p:cSld>
+  <p:clrMapOvr>
+    <a:masterClrMapping/>
+  </p:clrMapOvr>
+</p:sld>
+</file>
+
+<file path=ppt/slides/slide11.xml><?xml version="1.0" encoding="utf-8"?>
+<p:sld xmlns:a="http://schemas.openxmlformats.org/drawingml/2006/main" xmlns:r="http://schemas.openxmlformats.org/officeDocument/2006/relationships" xmlns:p="http://schemas.openxmlformats.org/presentationml/2006/main">
+  <p:cSld>
+    <p:spTree>
+      <p:nvGrpSpPr>
+        <p:cNvPr id="1" name=""/>
+        <p:cNvGrpSpPr/>
+        <p:nvPr/>
+      </p:nvGrpSpPr>
+      <p:grpSpPr>
+        <a:xfrm>
+          <a:off x="0" y="0"/>
+          <a:ext cx="0" cy="0"/>
+          <a:chOff x="0" y="0"/>
+          <a:chExt cx="0" cy="0"/>
+        </a:xfrm>
+      </p:grpSpPr>
+      <p:sp>
+        <p:nvSpPr>
+          <p:cNvPr id="2" name="標題 1"/>
+          <p:cNvSpPr>
+            <a:spLocks noGrp="1"/>
+          </p:cNvSpPr>
+          <p:nvPr>
+            <p:ph type="title"/>
+          </p:nvPr>
+        </p:nvSpPr>
+        <p:spPr/>
+        <p:txBody>
+          <a:bodyPr/>
+          <a:lstStyle/>
+          <a:p>
+            <a:r>
+              <a:rPr lang="zh-TW" altLang="en-US" dirty="0"/>
               <a:t>分工情形</a:t>
             </a:r>
           </a:p>
@@ -6002,8 +6197,37 @@
         </p:nvSpPr>
         <p:spPr/>
         <p:txBody>
-          <a:bodyPr/>
-          <a:lstStyle/>
+          <a:bodyPr>
+            <a:normAutofit lnSpcReduction="10000"/>
+          </a:bodyPr>
+          <a:lstStyle/>
+          <a:p>
+            <a:endParaRPr lang="en-US" altLang="zh-TW" dirty="0"/>
+          </a:p>
+          <a:p>
+            <a:endParaRPr lang="en-US" altLang="zh-TW" dirty="0"/>
+          </a:p>
+          <a:p>
+            <a:endParaRPr lang="en-US" altLang="zh-TW" dirty="0"/>
+          </a:p>
+          <a:p>
+            <a:endParaRPr lang="en-US" altLang="zh-TW" dirty="0"/>
+          </a:p>
+          <a:p>
+            <a:endParaRPr lang="en-US" altLang="zh-TW" dirty="0"/>
+          </a:p>
+          <a:p>
+            <a:endParaRPr lang="en-US" altLang="zh-TW" dirty="0"/>
+          </a:p>
+          <a:p>
+            <a:endParaRPr lang="en-US" altLang="zh-TW" dirty="0"/>
+          </a:p>
+          <a:p>
+            <a:endParaRPr lang="en-US" altLang="zh-TW" dirty="0"/>
+          </a:p>
+          <a:p>
+            <a:endParaRPr lang="en-US" altLang="zh-TW" dirty="0"/>
+          </a:p>
           <a:p>
             <a:r>
               <a:rPr lang="zh-TW" altLang="en-US" dirty="0"/>
@@ -6025,7 +6249,7 @@
 </p:sld>
 </file>
 
-<file path=ppt/slides/slide11.xml><?xml version="1.0" encoding="utf-8"?>
+<file path=ppt/slides/slide12.xml><?xml version="1.0" encoding="utf-8"?>
 <p:sld xmlns:a="http://schemas.openxmlformats.org/drawingml/2006/main" xmlns:r="http://schemas.openxmlformats.org/officeDocument/2006/relationships" xmlns:p="http://schemas.openxmlformats.org/presentationml/2006/main">
   <p:cSld>
     <p:spTree>
@@ -8001,7 +8225,7 @@
           <a:p>
             <a:r>
               <a:rPr lang="zh-TW" altLang="en-US" dirty="0"/>
-              <a:t>過程中遭遇困難－動畫顯示</a:t>
+              <a:t>過程中遭遇困難－製作初期</a:t>
             </a:r>
           </a:p>
         </p:txBody>
@@ -8033,55 +8257,41 @@
             </a:pPr>
             <a:r>
               <a:rPr lang="zh-TW" altLang="en-US" sz="2200" dirty="0"/>
-              <a:t>為了將排序時的每一步陣列狀態都記錄下來並且以圖片的方式顯示，為此我們需要知道幾個參數：</a:t>
+              <a:t>由於開始製作時對於ＪＡＶＡ理解剩少，所以腦袋中的畫面非常不明確：</a:t>
             </a:r>
             <a:endParaRPr lang="en-US" altLang="zh-TW" sz="2200" dirty="0"/>
           </a:p>
           <a:p>
             <a:r>
               <a:rPr lang="zh-TW" altLang="en-US" sz="2200" dirty="0"/>
-              <a:t>陣列大小：才能知道圖要怎麼畫</a:t>
+              <a:t>ＧＵＩ：開始時毫無頭緒，後來參考了微處理器的ｅｄｓｉｍ５１ｄｉ才有一點概念</a:t>
             </a:r>
             <a:endParaRPr lang="en-US" altLang="zh-TW" sz="2200" dirty="0"/>
           </a:p>
           <a:p>
             <a:r>
               <a:rPr lang="zh-TW" altLang="en-US" sz="2200" dirty="0"/>
-              <a:t>陣列最大值／最小值：才能知道長條圖的各項長度比例</a:t>
+              <a:t>功能實做：這方面也是邊做邊學的，學了啥就加啥上去</a:t>
             </a:r>
             <a:endParaRPr lang="en-US" altLang="zh-TW" sz="2200" dirty="0"/>
           </a:p>
           <a:p>
+            <a:endParaRPr lang="en-US" altLang="zh-TW" sz="2200" dirty="0"/>
+          </a:p>
+          <a:p>
+            <a:pPr marL="0" indent="0">
+              <a:buNone/>
+            </a:pPr>
             <a:r>
               <a:rPr lang="zh-TW" altLang="en-US" sz="2200" dirty="0"/>
-              <a:t>排序次數：相當於陣列改變的次數，也就是我們需要建的圖共有幾張</a:t>
+              <a:t>而在製作開始後不久後，馬上就出現了檔案雜亂繁多的問題：</a:t>
             </a:r>
             <a:endParaRPr lang="en-US" altLang="zh-TW" sz="2200" dirty="0"/>
           </a:p>
           <a:p>
-            <a:pPr marL="0" indent="0">
-              <a:buNone/>
-            </a:pPr>
             <a:r>
               <a:rPr lang="zh-TW" altLang="en-US" sz="2200" dirty="0"/>
-              <a:t>最後為了避免重複計算參數太多次，我們直接建了新的ｃｌａｓｓ取代陣列</a:t>
-            </a:r>
-            <a:endParaRPr lang="en-US" altLang="zh-TW" sz="2200" dirty="0"/>
-          </a:p>
-          <a:p>
-            <a:pPr marL="0" indent="0">
-              <a:buNone/>
-            </a:pPr>
-            <a:r>
-              <a:rPr lang="zh-TW" altLang="en-US" sz="2200" dirty="0"/>
-              <a:t>Ｑ：這些圖該如何存取？</a:t>
-            </a:r>
-            <a:endParaRPr lang="en-US" altLang="zh-TW" sz="2200" dirty="0"/>
-          </a:p>
-          <a:p>
-            <a:r>
-              <a:rPr lang="zh-TW" altLang="en-US" sz="2200" dirty="0"/>
-              <a:t>一開始的想法是即時算出當前陣列狀態的下一步並顯示，但這會有個問題：無法回朔；最終，我們採取折衷的方法，將每張圖都存取下來，並且在陣列大小或排序次數過多時不做圖（畢竟我們一開始的初衷是分析時間複雜度，如果為了作圖而導致無法計算大量數據就本末倒置了）。</a:t>
+              <a:t>鼓勵多註解，使用ａｂｓｔｒａｃｔ　ｃｌａｓｓ還有建制範例程式碼來統一功能及格式，另外也將專案的功能分成多個檔案分開放。</a:t>
             </a:r>
             <a:endParaRPr lang="en-US" altLang="zh-TW" sz="2200" dirty="0"/>
           </a:p>
@@ -8090,7 +8300,7 @@
     </p:spTree>
     <p:extLst>
       <p:ext uri="{BB962C8B-B14F-4D97-AF65-F5344CB8AC3E}">
-        <p14:creationId xmlns:p14="http://schemas.microsoft.com/office/powerpoint/2010/main" val="2142803676"/>
+        <p14:creationId xmlns:p14="http://schemas.microsoft.com/office/powerpoint/2010/main" val="2062052050"/>
       </p:ext>
     </p:extLst>
   </p:cSld>
@@ -8134,7 +8344,7 @@
           <a:p>
             <a:r>
               <a:rPr lang="zh-TW" altLang="en-US" dirty="0"/>
-              <a:t>過程中遭遇困難－播放＆合併排序</a:t>
+              <a:t>過程中遭遇困難－動畫顯示</a:t>
             </a:r>
           </a:p>
         </p:txBody>
@@ -8152,7 +8362,7 @@
         <p:spPr>
           <a:xfrm>
             <a:off x="677334" y="1622707"/>
-            <a:ext cx="9112125" cy="4482258"/>
+            <a:ext cx="9470713" cy="4482258"/>
           </a:xfrm>
         </p:spPr>
         <p:txBody>
@@ -8166,20 +8376,39 @@
             </a:pPr>
             <a:r>
               <a:rPr lang="zh-TW" altLang="en-US" sz="2200" dirty="0"/>
-              <a:t>在進行Ｒｕｎ的偵測時，沒有辦法一直去偵測該按鈕是否為啟動的狀態：</a:t>
-            </a:r>
+              <a:t>為了將排序時的每一步陣列狀態都記錄下來並且以圖片的方式顯示，為此我們需要知道幾個參數：</a:t>
+            </a:r>
+            <a:endParaRPr lang="en-US" altLang="zh-TW" sz="2200" dirty="0"/>
           </a:p>
           <a:p>
             <a:r>
               <a:rPr lang="zh-TW" altLang="en-US" sz="2200" dirty="0"/>
-              <a:t>用多執行緒去額外偵測並執行Ｒｕｎ這個動作，這樣我們也可以透過ｍａｉｎ更改ｓｐｅｅｄ參數的同時動態更改動畫的播放速度。</a:t>
+              <a:t>陣列大小：才能知道圖要怎麼畫</a:t>
             </a:r>
             <a:endParaRPr lang="en-US" altLang="zh-TW" sz="2200" dirty="0"/>
           </a:p>
           <a:p>
+            <a:r>
+              <a:rPr lang="zh-TW" altLang="en-US" sz="2200" dirty="0"/>
+              <a:t>陣列最大值／最小值：才能知道長條圖的各項長度比例</a:t>
+            </a:r>
+            <a:endParaRPr lang="en-US" altLang="zh-TW" sz="2200" dirty="0"/>
+          </a:p>
+          <a:p>
+            <a:r>
+              <a:rPr lang="zh-TW" altLang="en-US" sz="2200" dirty="0"/>
+              <a:t>排序次數：相當於陣列改變的次數，也就是我們需要建的圖共有幾張</a:t>
+            </a:r>
+            <a:endParaRPr lang="en-US" altLang="zh-TW" sz="2200" dirty="0"/>
+          </a:p>
+          <a:p>
             <a:pPr marL="0" indent="0">
               <a:buNone/>
             </a:pPr>
+            <a:r>
+              <a:rPr lang="zh-TW" altLang="en-US" sz="2200" dirty="0"/>
+              <a:t>最後為了避免重複計算參數太多次，我們直接建了新的ｃｌａｓｓ取代陣列</a:t>
+            </a:r>
             <a:endParaRPr lang="en-US" altLang="zh-TW" sz="2200" dirty="0"/>
           </a:p>
           <a:p>
@@ -8188,37 +8417,14 @@
             </a:pPr>
             <a:r>
               <a:rPr lang="zh-TW" altLang="en-US" sz="2200" dirty="0"/>
-              <a:t>在要顯示的圖片超過１００張時，就算將速度調到最快動畫仍然要跑很久才能跑完：</a:t>
+              <a:t>Ｑ：這些圖該如何存取？</a:t>
             </a:r>
             <a:endParaRPr lang="en-US" altLang="zh-TW" sz="2200" dirty="0"/>
           </a:p>
           <a:p>
             <a:r>
               <a:rPr lang="zh-TW" altLang="en-US" sz="2200" dirty="0"/>
-              <a:t>把頁數的部分變成可更改的並且做了例外處理。</a:t>
-            </a:r>
-            <a:endParaRPr lang="en-US" altLang="zh-TW" sz="2200" dirty="0"/>
-          </a:p>
-          <a:p>
-            <a:pPr marL="0" indent="0">
-              <a:buNone/>
-            </a:pPr>
-            <a:endParaRPr lang="en-US" altLang="zh-TW" sz="2200" dirty="0"/>
-          </a:p>
-          <a:p>
-            <a:pPr marL="0" indent="0">
-              <a:buNone/>
-            </a:pPr>
-            <a:r>
-              <a:rPr lang="zh-TW" altLang="en-US" sz="2200" dirty="0"/>
-              <a:t>此外在實作合併排序時，我們發現該演算法並沒有做ｓｗａｐ的行為：</a:t>
-            </a:r>
-            <a:endParaRPr lang="en-US" altLang="zh-TW" sz="2200" dirty="0"/>
-          </a:p>
-          <a:p>
-            <a:r>
-              <a:rPr lang="zh-TW" altLang="en-US" sz="2200" dirty="0"/>
-              <a:t>當初的想法是為該演算法另外做出一種畫圖方式來代替，但後來因為時間考量作廢改成不顯示圖片。</a:t>
+              <a:t>一開始的想法是即時算出當前陣列狀態的下一步並顯示，但這會有個問題：無法回朔；最終，我們採取折衷的方法，將每張圖都存取下來，並且在陣列大小或排序次數過多時不做圖（畢竟我們一開始的初衷是分析時間複雜度，如果為了作圖而導致無法計算大量數據就本末倒置了）。</a:t>
             </a:r>
             <a:endParaRPr lang="en-US" altLang="zh-TW" sz="2200" dirty="0"/>
           </a:p>
@@ -8227,7 +8433,7 @@
     </p:spTree>
     <p:extLst>
       <p:ext uri="{BB962C8B-B14F-4D97-AF65-F5344CB8AC3E}">
-        <p14:creationId xmlns:p14="http://schemas.microsoft.com/office/powerpoint/2010/main" val="1820137049"/>
+        <p14:creationId xmlns:p14="http://schemas.microsoft.com/office/powerpoint/2010/main" val="2142803676"/>
       </p:ext>
     </p:extLst>
   </p:cSld>
@@ -8271,7 +8477,7 @@
           <a:p>
             <a:r>
               <a:rPr lang="zh-TW" altLang="en-US" dirty="0"/>
-              <a:t>過程中遭遇困難－演算法效率與精度問題</a:t>
+              <a:t>過程中遭遇困難－播放＆合併排序</a:t>
             </a:r>
           </a:p>
         </p:txBody>
@@ -8303,13 +8509,13 @@
             </a:pPr>
             <a:r>
               <a:rPr lang="zh-TW" altLang="en-US" sz="2200" dirty="0"/>
-              <a:t>ＪＡＶＡ對於函式間的陣列傳遞似乎是ｃａｌｌ　ｂｙ　ｖａｌｕｅ：</a:t>
+              <a:t>在進行Ｒｕｎ的偵測時，沒有辦法一直去偵測該按鈕是否為啟動的狀態：</a:t>
             </a:r>
           </a:p>
           <a:p>
             <a:r>
               <a:rPr lang="zh-TW" altLang="en-US" sz="2200" dirty="0"/>
-              <a:t>擔心會影響實際效能，我們盡量減少了函式呼叫時的陣列使用（例如期末考時的ｓｗａｐ），但對於本來就需要呼叫遞迴的演算法（例如ｑｕｉｃｋ　ｓｏｒｔ等）就實在沒有辦法了。</a:t>
+              <a:t>用多執行緒去額外偵測並執行Ｒｕｎ這個動作，這樣我們也可以透過ｍａｉｎ更改ｓｐｅｅｄ參數的同時動態更改動畫的播放速度。</a:t>
             </a:r>
             <a:endParaRPr lang="en-US" altLang="zh-TW" sz="2200" dirty="0"/>
           </a:p>
@@ -8325,28 +8531,37 @@
             </a:pPr>
             <a:r>
               <a:rPr lang="zh-TW" altLang="en-US" sz="2200" dirty="0"/>
-              <a:t>Ｑ：作圖是否會花太多不必要的時間？</a:t>
+              <a:t>在要顯示的圖片超過１００張時，就算將速度調到最快動畫仍然要跑很久才能跑完：</a:t>
             </a:r>
             <a:endParaRPr lang="en-US" altLang="zh-TW" sz="2200" dirty="0"/>
           </a:p>
           <a:p>
             <a:r>
               <a:rPr lang="zh-TW" altLang="en-US" sz="2200" dirty="0"/>
-              <a:t>我們的ｓｏｒｔ實際執行的步驟如下：</a:t>
+              <a:t>把頁數的部分變成可更改的並且做了例外處理。</a:t>
             </a:r>
             <a:endParaRPr lang="en-US" altLang="zh-TW" sz="2200" dirty="0"/>
           </a:p>
           <a:p>
+            <a:pPr marL="0" indent="0">
+              <a:buNone/>
+            </a:pPr>
+            <a:endParaRPr lang="en-US" altLang="zh-TW" sz="2200" dirty="0"/>
+          </a:p>
+          <a:p>
+            <a:pPr marL="0" indent="0">
+              <a:buNone/>
+            </a:pPr>
             <a:r>
               <a:rPr lang="zh-TW" altLang="en-US" sz="2200" dirty="0"/>
-              <a:t>讀入檔案＞計時開始＞排序並計入交換次數＞計時結束＞建作圖陣列＞再次排序並依序放入圖＞結束</a:t>
+              <a:t>此外在實作合併排序時，我們發現該演算法並沒有做ｓｗａｐ的行為：</a:t>
             </a:r>
             <a:endParaRPr lang="en-US" altLang="zh-TW" sz="2200" dirty="0"/>
           </a:p>
           <a:p>
             <a:r>
               <a:rPr lang="zh-TW" altLang="en-US" sz="2200" dirty="0"/>
-              <a:t>所以基本上是不會計算進去的</a:t>
+              <a:t>當初的想法是為該演算法另外做出一種畫圖方式來代替，但後來因為時間考量作廢改成不顯示圖片。</a:t>
             </a:r>
             <a:endParaRPr lang="en-US" altLang="zh-TW" sz="2200" dirty="0"/>
           </a:p>
@@ -8355,7 +8570,7 @@
     </p:spTree>
     <p:extLst>
       <p:ext uri="{BB962C8B-B14F-4D97-AF65-F5344CB8AC3E}">
-        <p14:creationId xmlns:p14="http://schemas.microsoft.com/office/powerpoint/2010/main" val="809205687"/>
+        <p14:creationId xmlns:p14="http://schemas.microsoft.com/office/powerpoint/2010/main" val="1820137049"/>
       </p:ext>
     </p:extLst>
   </p:cSld>
@@ -8399,7 +8614,7 @@
           <a:p>
             <a:r>
               <a:rPr lang="zh-TW" altLang="en-US" dirty="0"/>
-              <a:t>過程中遭遇困難－讀取檔案＆資料處理</a:t>
+              <a:t>過程中遭遇困難－演算法效率與精度問題</a:t>
             </a:r>
           </a:p>
         </p:txBody>
@@ -8431,13 +8646,13 @@
             </a:pPr>
             <a:r>
               <a:rPr lang="zh-TW" altLang="en-US" sz="2200" dirty="0"/>
-              <a:t>格式問題：</a:t>
+              <a:t>ＪＡＶＡ對於函式間的陣列傳遞似乎是ｃａｌｌ　ｂｙ　ｖａｌｕｅ：</a:t>
             </a:r>
           </a:p>
           <a:p>
             <a:r>
               <a:rPr lang="zh-TW" altLang="en-US" sz="2200" dirty="0"/>
-              <a:t>我們建了一個ｊｕｄｇｅ的ｃｌａｓｓ專門處理這類要做判斷的問題。</a:t>
+              <a:t>擔心會影響實際效能，我們盡量減少了函式呼叫時的陣列使用（例如期末考時的ｓｗａｐ），但對於本來就需要呼叫遞迴的演算法（例如ｑｕｉｃｋ　ｓｏｒｔ等）就實在沒有辦法了。</a:t>
             </a:r>
             <a:endParaRPr lang="en-US" altLang="zh-TW" sz="2200" dirty="0"/>
           </a:p>
@@ -8453,34 +8668,28 @@
             </a:pPr>
             <a:r>
               <a:rPr lang="zh-TW" altLang="en-US" sz="2200" dirty="0"/>
-              <a:t>對於首次試用的使用者操作上會有困難：</a:t>
+              <a:t>Ｑ：作圖是否會花太多不必要的時間？</a:t>
             </a:r>
             <a:endParaRPr lang="en-US" altLang="zh-TW" sz="2200" dirty="0"/>
           </a:p>
           <a:p>
             <a:r>
               <a:rPr lang="zh-TW" altLang="en-US" sz="2200" dirty="0"/>
-              <a:t>我們用跳出ｄｏｃ訊息的方式告知使用方法。</a:t>
+              <a:t>我們的ｓｏｒｔ實際執行的步驟如下：</a:t>
             </a:r>
             <a:endParaRPr lang="en-US" altLang="zh-TW" sz="2200" dirty="0"/>
           </a:p>
           <a:p>
+            <a:r>
+              <a:rPr lang="zh-TW" altLang="en-US" sz="2200" dirty="0"/>
+              <a:t>讀入檔案＞計時開始＞排序並計入交換次數＞計時結束＞建作圖陣列＞再次排序並依序放入圖＞結束</a:t>
+            </a:r>
             <a:endParaRPr lang="en-US" altLang="zh-TW" sz="2200" dirty="0"/>
           </a:p>
           <a:p>
-            <a:pPr marL="0" indent="0">
-              <a:buNone/>
-            </a:pPr>
             <a:r>
               <a:rPr lang="zh-TW" altLang="en-US" sz="2200" dirty="0"/>
-              <a:t>生成大型測資不易：</a:t>
-            </a:r>
-            <a:endParaRPr lang="en-US" altLang="zh-TW" sz="2200" dirty="0"/>
-          </a:p>
-          <a:p>
-            <a:r>
-              <a:rPr lang="zh-TW" altLang="en-US" sz="2200" dirty="0"/>
-              <a:t>為此我們建置了直接讀取檔案文件和產生隨機陣列這兩種讀入的方法。</a:t>
+              <a:t>所以基本上是不會計算進去的</a:t>
             </a:r>
             <a:endParaRPr lang="en-US" altLang="zh-TW" sz="2200" dirty="0"/>
           </a:p>
@@ -8489,7 +8698,7 @@
     </p:spTree>
     <p:extLst>
       <p:ext uri="{BB962C8B-B14F-4D97-AF65-F5344CB8AC3E}">
-        <p14:creationId xmlns:p14="http://schemas.microsoft.com/office/powerpoint/2010/main" val="3410367381"/>
+        <p14:creationId xmlns:p14="http://schemas.microsoft.com/office/powerpoint/2010/main" val="809205687"/>
       </p:ext>
     </p:extLst>
   </p:cSld>

--- a/JAVA_TSJ.pptx
+++ b/JAVA_TSJ.pptx
@@ -126,7 +126,7 @@
 <file path=ppt/revisionInfo.xml><?xml version="1.0" encoding="utf-8"?>
 <p1510:revInfo xmlns:a="http://schemas.openxmlformats.org/drawingml/2006/main" xmlns:r="http://schemas.openxmlformats.org/officeDocument/2006/relationships" xmlns:p1510="http://schemas.microsoft.com/office/powerpoint/2015/10/main">
   <p1510:revLst>
-    <p1510:client id="{769A3353-FD8B-4C7E-B5F7-B86CF57B6B3B}" v="1" dt="2021-06-21T23:00:36.192"/>
+    <p1510:client id="{769A3353-FD8B-4C7E-B5F7-B86CF57B6B3B}" v="2" dt="2021-06-21T23:12:16.728"/>
   </p1510:revLst>
 </p1510:revInfo>
 </file>
@@ -135,8 +135,8 @@
 <pc:chgInfo xmlns:a="http://schemas.openxmlformats.org/drawingml/2006/main" xmlns:r="http://schemas.openxmlformats.org/officeDocument/2006/relationships" xmlns:ac="http://schemas.microsoft.com/office/drawing/2013/main/command" xmlns:pc="http://schemas.microsoft.com/office/powerpoint/2013/main/command">
   <pc:docChgLst>
     <pc:chgData name="not found 404" userId="975d476c7f984e95" providerId="LiveId" clId="{769A3353-FD8B-4C7E-B5F7-B86CF57B6B3B}"/>
-    <pc:docChg chg="custSel addSld modSld">
-      <pc:chgData name="not found 404" userId="975d476c7f984e95" providerId="LiveId" clId="{769A3353-FD8B-4C7E-B5F7-B86CF57B6B3B}" dt="2021-06-21T23:09:53.844" v="1003" actId="27636"/>
+    <pc:docChg chg="custSel addSld delSld modSld">
+      <pc:chgData name="not found 404" userId="975d476c7f984e95" providerId="LiveId" clId="{769A3353-FD8B-4C7E-B5F7-B86CF57B6B3B}" dt="2021-06-21T23:21:57.652" v="1886" actId="20577"/>
       <pc:docMkLst>
         <pc:docMk/>
       </pc:docMkLst>
@@ -156,7 +156,7 @@
         </pc:spChg>
       </pc:sldChg>
       <pc:sldChg chg="modSp add mod">
-        <pc:chgData name="not found 404" userId="975d476c7f984e95" providerId="LiveId" clId="{769A3353-FD8B-4C7E-B5F7-B86CF57B6B3B}" dt="2021-06-21T23:09:15.560" v="993" actId="20577"/>
+        <pc:chgData name="not found 404" userId="975d476c7f984e95" providerId="LiveId" clId="{769A3353-FD8B-4C7E-B5F7-B86CF57B6B3B}" dt="2021-06-21T23:21:57.652" v="1886" actId="20577"/>
         <pc:sldMkLst>
           <pc:docMk/>
           <pc:sldMk cId="2062052050" sldId="270"/>
@@ -170,10 +170,33 @@
           </ac:spMkLst>
         </pc:spChg>
         <pc:spChg chg="mod">
-          <ac:chgData name="not found 404" userId="975d476c7f984e95" providerId="LiveId" clId="{769A3353-FD8B-4C7E-B5F7-B86CF57B6B3B}" dt="2021-06-21T23:09:15.560" v="993" actId="20577"/>
+          <ac:chgData name="not found 404" userId="975d476c7f984e95" providerId="LiveId" clId="{769A3353-FD8B-4C7E-B5F7-B86CF57B6B3B}" dt="2021-06-21T23:21:57.652" v="1886" actId="20577"/>
           <ac:spMkLst>
             <pc:docMk/>
             <pc:sldMk cId="2062052050" sldId="270"/>
+            <ac:spMk id="3" creationId="{00000000-0000-0000-0000-000000000000}"/>
+          </ac:spMkLst>
+        </pc:spChg>
+      </pc:sldChg>
+      <pc:sldChg chg="modSp add del mod">
+        <pc:chgData name="not found 404" userId="975d476c7f984e95" providerId="LiveId" clId="{769A3353-FD8B-4C7E-B5F7-B86CF57B6B3B}" dt="2021-06-21T23:20:59.035" v="1778" actId="47"/>
+        <pc:sldMkLst>
+          <pc:docMk/>
+          <pc:sldMk cId="3450061365" sldId="271"/>
+        </pc:sldMkLst>
+        <pc:spChg chg="mod">
+          <ac:chgData name="not found 404" userId="975d476c7f984e95" providerId="LiveId" clId="{769A3353-FD8B-4C7E-B5F7-B86CF57B6B3B}" dt="2021-06-21T23:12:26.968" v="1027" actId="20577"/>
+          <ac:spMkLst>
+            <pc:docMk/>
+            <pc:sldMk cId="3450061365" sldId="271"/>
+            <ac:spMk id="2" creationId="{00000000-0000-0000-0000-000000000000}"/>
+          </ac:spMkLst>
+        </pc:spChg>
+        <pc:spChg chg="mod">
+          <ac:chgData name="not found 404" userId="975d476c7f984e95" providerId="LiveId" clId="{769A3353-FD8B-4C7E-B5F7-B86CF57B6B3B}" dt="2021-06-21T23:19:52.821" v="1777" actId="20577"/>
+          <ac:spMkLst>
+            <pc:docMk/>
+            <pc:sldMk cId="3450061365" sldId="271"/>
             <ac:spMk id="3" creationId="{00000000-0000-0000-0000-000000000000}"/>
           </ac:spMkLst>
         </pc:spChg>
@@ -8295,6 +8318,13 @@
             </a:r>
             <a:endParaRPr lang="en-US" altLang="zh-TW" sz="2200" dirty="0"/>
           </a:p>
+          <a:p>
+            <a:r>
+              <a:rPr lang="zh-TW" altLang="en-US" sz="2200" dirty="0"/>
+              <a:t>建置ｔｅｓｔ：這樣可以同時測試同一類型的檔案是否一直都能正常運行</a:t>
+            </a:r>
+            <a:endParaRPr lang="en-US" altLang="zh-TW" sz="2200" dirty="0"/>
+          </a:p>
         </p:txBody>
       </p:sp>
     </p:spTree>

--- a/JAVA_TSJ.pptx
+++ b/JAVA_TSJ.pptx
@@ -6221,10 +6221,84 @@
         <p:spPr/>
         <p:txBody>
           <a:bodyPr>
-            <a:normAutofit lnSpcReduction="10000"/>
+            <a:normAutofit fontScale="92500" lnSpcReduction="20000"/>
           </a:bodyPr>
           <a:lstStyle/>
           <a:p>
+            <a:r>
+              <a:rPr lang="zh-TW" altLang="en-US" dirty="0"/>
+              <a:t>葉冠昊</a:t>
+            </a:r>
+            <a:r>
+              <a:rPr lang="en-US" altLang="zh-TW" dirty="0"/>
+              <a:t>:</a:t>
+            </a:r>
+            <a:r>
+              <a:rPr lang="zh-TW" altLang="en-US" dirty="0"/>
+              <a:t> </a:t>
+            </a:r>
+            <a:r>
+              <a:rPr lang="en-US" altLang="zh-TW" dirty="0"/>
+              <a:t>UI</a:t>
+            </a:r>
+            <a:r>
+              <a:rPr lang="zh-TW" altLang="en-US" dirty="0"/>
+              <a:t>介面之設計與開發</a:t>
+            </a:r>
+            <a:r>
+              <a:rPr lang="en-US" altLang="zh-TW" dirty="0"/>
+              <a:t>,Quicksort,</a:t>
+            </a:r>
+            <a:r>
+              <a:rPr lang="zh-TW" altLang="en-US" dirty="0"/>
+              <a:t> </a:t>
+            </a:r>
+            <a:r>
+              <a:rPr lang="en-US" altLang="zh-TW" dirty="0"/>
+              <a:t>Bubble sort</a:t>
+            </a:r>
+            <a:r>
+              <a:rPr lang="zh-TW" altLang="en-US" dirty="0"/>
+              <a:t>的設計</a:t>
+            </a:r>
+            <a:r>
+              <a:rPr lang="en-US" altLang="zh-TW" dirty="0"/>
+              <a:t>, </a:t>
+            </a:r>
+            <a:r>
+              <a:rPr lang="zh-TW" altLang="en-US" dirty="0"/>
+              <a:t>陣列圖表設計</a:t>
+            </a:r>
+            <a:r>
+              <a:rPr lang="en-US" altLang="zh-TW" dirty="0"/>
+              <a:t>,</a:t>
+            </a:r>
+            <a:r>
+              <a:rPr lang="zh-TW" altLang="en-US" dirty="0"/>
+              <a:t> 陣列交換動畫協助開發</a:t>
+            </a:r>
+            <a:r>
+              <a:rPr lang="en-US" altLang="zh-TW" dirty="0"/>
+              <a:t>,</a:t>
+            </a:r>
+            <a:r>
+              <a:rPr lang="zh-TW" altLang="en-US" dirty="0"/>
+              <a:t>讀取檔案陣列之開發</a:t>
+            </a:r>
+            <a:r>
+              <a:rPr lang="en-US" altLang="zh-TW" dirty="0"/>
+              <a:t>,</a:t>
+            </a:r>
+            <a:r>
+              <a:rPr lang="zh-TW" altLang="en-US" dirty="0"/>
+              <a:t>稀疏矩陣之開發</a:t>
+            </a:r>
+            <a:endParaRPr lang="en-US" altLang="zh-TW" dirty="0"/>
+          </a:p>
+          <a:p>
+            <a:pPr marL="0" indent="0">
+              <a:buNone/>
+            </a:pPr>
             <a:endParaRPr lang="en-US" altLang="zh-TW" dirty="0"/>
           </a:p>
           <a:p>

--- a/JAVA_TSJ.pptx
+++ b/JAVA_TSJ.pptx
@@ -6221,115 +6221,181 @@
         <p:spPr/>
         <p:txBody>
           <a:bodyPr>
-            <a:normAutofit fontScale="92500" lnSpcReduction="20000"/>
+            <a:noAutofit/>
           </a:bodyPr>
           <a:lstStyle/>
           <a:p>
             <a:r>
-              <a:rPr lang="zh-TW" altLang="en-US" dirty="0"/>
+              <a:rPr lang="zh-TW" altLang="en-US" sz="2000" dirty="0"/>
               <a:t>葉冠昊</a:t>
             </a:r>
             <a:r>
-              <a:rPr lang="en-US" altLang="zh-TW" dirty="0"/>
+              <a:rPr lang="en-US" altLang="zh-TW" sz="2000" dirty="0"/>
               <a:t>:</a:t>
             </a:r>
             <a:r>
-              <a:rPr lang="zh-TW" altLang="en-US" dirty="0"/>
+              <a:rPr lang="zh-TW" altLang="en-US" sz="2000" dirty="0"/>
               <a:t> </a:t>
             </a:r>
             <a:r>
-              <a:rPr lang="en-US" altLang="zh-TW" dirty="0"/>
+              <a:rPr lang="en-US" altLang="zh-TW" sz="2000" dirty="0"/>
               <a:t>UI</a:t>
             </a:r>
             <a:r>
-              <a:rPr lang="zh-TW" altLang="en-US" dirty="0"/>
+              <a:rPr lang="zh-TW" altLang="en-US" sz="2000" dirty="0"/>
               <a:t>介面之設計與開發</a:t>
             </a:r>
             <a:r>
-              <a:rPr lang="en-US" altLang="zh-TW" dirty="0"/>
+              <a:rPr lang="en-US" altLang="zh-TW" sz="2000" dirty="0"/>
               <a:t>,Quicksort,</a:t>
             </a:r>
             <a:r>
-              <a:rPr lang="zh-TW" altLang="en-US" dirty="0"/>
+              <a:rPr lang="zh-TW" altLang="en-US" sz="2000" dirty="0"/>
               <a:t> </a:t>
             </a:r>
             <a:r>
-              <a:rPr lang="en-US" altLang="zh-TW" dirty="0"/>
+              <a:rPr lang="en-US" altLang="zh-TW" sz="2000" dirty="0"/>
               <a:t>Bubble sort</a:t>
             </a:r>
             <a:r>
-              <a:rPr lang="zh-TW" altLang="en-US" dirty="0"/>
+              <a:rPr lang="zh-TW" altLang="en-US" sz="2000" dirty="0"/>
               <a:t>的設計</a:t>
             </a:r>
             <a:r>
-              <a:rPr lang="en-US" altLang="zh-TW" dirty="0"/>
+              <a:rPr lang="en-US" altLang="zh-TW" sz="2000" dirty="0"/>
               <a:t>, </a:t>
             </a:r>
             <a:r>
-              <a:rPr lang="zh-TW" altLang="en-US" dirty="0"/>
+              <a:rPr lang="zh-TW" altLang="en-US" sz="2000" dirty="0"/>
               <a:t>陣列圖表設計</a:t>
             </a:r>
             <a:r>
-              <a:rPr lang="en-US" altLang="zh-TW" dirty="0"/>
+              <a:rPr lang="en-US" altLang="zh-TW" sz="2000" dirty="0"/>
               <a:t>,</a:t>
             </a:r>
             <a:r>
-              <a:rPr lang="zh-TW" altLang="en-US" dirty="0"/>
+              <a:rPr lang="zh-TW" altLang="en-US" sz="2000" dirty="0"/>
               <a:t> 陣列交換動畫協助開發</a:t>
             </a:r>
             <a:r>
-              <a:rPr lang="en-US" altLang="zh-TW" dirty="0"/>
+              <a:rPr lang="en-US" altLang="zh-TW" sz="2000" dirty="0"/>
               <a:t>,</a:t>
             </a:r>
             <a:r>
-              <a:rPr lang="zh-TW" altLang="en-US" dirty="0"/>
+              <a:rPr lang="zh-TW" altLang="en-US" sz="2000" dirty="0"/>
               <a:t>讀取檔案陣列之開發</a:t>
             </a:r>
             <a:r>
-              <a:rPr lang="en-US" altLang="zh-TW" dirty="0"/>
+              <a:rPr lang="en-US" altLang="zh-TW" sz="2000" dirty="0"/>
               <a:t>,</a:t>
             </a:r>
             <a:r>
-              <a:rPr lang="zh-TW" altLang="en-US" dirty="0"/>
+              <a:rPr lang="zh-TW" altLang="en-US" sz="2000" dirty="0"/>
               <a:t>稀疏矩陣之開發</a:t>
             </a:r>
-            <a:endParaRPr lang="en-US" altLang="zh-TW" dirty="0"/>
+            <a:endParaRPr lang="en-US" altLang="zh-TW" sz="2000" dirty="0"/>
           </a:p>
           <a:p>
             <a:pPr marL="0" indent="0">
               <a:buNone/>
             </a:pPr>
-            <a:endParaRPr lang="en-US" altLang="zh-TW" dirty="0"/>
-          </a:p>
-          <a:p>
-            <a:endParaRPr lang="en-US" altLang="zh-TW" dirty="0"/>
-          </a:p>
-          <a:p>
-            <a:endParaRPr lang="en-US" altLang="zh-TW" dirty="0"/>
-          </a:p>
-          <a:p>
-            <a:endParaRPr lang="en-US" altLang="zh-TW" dirty="0"/>
-          </a:p>
-          <a:p>
-            <a:endParaRPr lang="en-US" altLang="zh-TW" dirty="0"/>
-          </a:p>
-          <a:p>
-            <a:endParaRPr lang="en-US" altLang="zh-TW" dirty="0"/>
-          </a:p>
-          <a:p>
-            <a:endParaRPr lang="en-US" altLang="zh-TW" dirty="0"/>
-          </a:p>
-          <a:p>
-            <a:endParaRPr lang="en-US" altLang="zh-TW" dirty="0"/>
-          </a:p>
-          <a:p>
-            <a:endParaRPr lang="en-US" altLang="zh-TW" dirty="0"/>
-          </a:p>
-          <a:p>
-            <a:r>
-              <a:rPr lang="zh-TW" altLang="en-US" dirty="0"/>
-              <a:t>黃泰揚：其他</a:t>
-            </a:r>
+            <a:r>
+              <a:rPr lang="en-US" altLang="zh-TW" sz="2000" dirty="0" smtClean="0"/>
+              <a:t>	</a:t>
+            </a:r>
+            <a:endParaRPr lang="en-US" altLang="zh-TW" sz="2000" dirty="0"/>
+          </a:p>
+          <a:p>
+            <a:r>
+              <a:rPr lang="zh-TW" altLang="en-US" sz="2000" dirty="0" smtClean="0"/>
+              <a:t>官鼎鈞</a:t>
+            </a:r>
+            <a:r>
+              <a:rPr lang="en-US" altLang="zh-TW" sz="2000" dirty="0" smtClean="0"/>
+              <a:t>:</a:t>
+            </a:r>
+            <a:r>
+              <a:rPr lang="zh-TW" altLang="en-US" sz="2000" dirty="0" smtClean="0"/>
+              <a:t> 範例陣列產生</a:t>
+            </a:r>
+            <a:r>
+              <a:rPr lang="en-US" altLang="zh-TW" sz="2000" dirty="0" smtClean="0"/>
+              <a:t>,</a:t>
+            </a:r>
+            <a:r>
+              <a:rPr lang="en-US" altLang="zh-TW" sz="2000" dirty="0" smtClean="0"/>
+              <a:t>UI</a:t>
+            </a:r>
+            <a:r>
+              <a:rPr lang="zh-TW" altLang="en-US" sz="2000" dirty="0" smtClean="0"/>
+              <a:t>介面協</a:t>
+            </a:r>
+            <a:r>
+              <a:rPr lang="zh-TW" altLang="en-US" sz="2000" dirty="0"/>
+              <a:t>助</a:t>
+            </a:r>
+            <a:r>
+              <a:rPr lang="zh-TW" altLang="en-US" sz="2000" dirty="0" smtClean="0"/>
+              <a:t>開發</a:t>
+            </a:r>
+            <a:r>
+              <a:rPr lang="en-US" altLang="zh-TW" sz="2000" dirty="0" smtClean="0"/>
+              <a:t>,</a:t>
+            </a:r>
+            <a:r>
+              <a:rPr lang="en-US" altLang="zh-TW" sz="2000" dirty="0" smtClean="0"/>
+              <a:t>Insertion Sort</a:t>
+            </a:r>
+            <a:r>
+              <a:rPr lang="zh-TW" altLang="en-US" sz="2000" dirty="0" smtClean="0"/>
+              <a:t>和</a:t>
+            </a:r>
+            <a:r>
+              <a:rPr lang="en-US" altLang="zh-TW" sz="2000" dirty="0" smtClean="0"/>
+              <a:t>Merge Sort</a:t>
+            </a:r>
+            <a:r>
+              <a:rPr lang="zh-TW" altLang="en-US" sz="2000" dirty="0" smtClean="0"/>
+              <a:t>的設計</a:t>
+            </a:r>
+            <a:r>
+              <a:rPr lang="en-US" altLang="zh-TW" sz="2000" dirty="0" smtClean="0"/>
+              <a:t>, 2D</a:t>
+            </a:r>
+            <a:r>
+              <a:rPr lang="zh-TW" altLang="en-US" sz="2000" dirty="0" smtClean="0"/>
+              <a:t>陣列設計</a:t>
+            </a:r>
+            <a:r>
+              <a:rPr lang="en-US" altLang="zh-TW" sz="2000" dirty="0" smtClean="0"/>
+              <a:t>, </a:t>
+            </a:r>
+            <a:r>
+              <a:rPr lang="zh-TW" altLang="en-US" sz="2000" dirty="0" smtClean="0"/>
+              <a:t>矩陣乘法開發</a:t>
+            </a:r>
+            <a:endParaRPr lang="en-US" altLang="zh-TW" sz="2000" dirty="0"/>
+          </a:p>
+          <a:p>
+            <a:pPr marL="0" indent="0">
+              <a:buNone/>
+            </a:pPr>
+            <a:endParaRPr lang="en-US" altLang="zh-TW" sz="2000" dirty="0"/>
+          </a:p>
+          <a:p>
+            <a:r>
+              <a:rPr lang="zh-TW" altLang="en-US" sz="2000" dirty="0" smtClean="0"/>
+              <a:t>黃泰揚</a:t>
+            </a:r>
+            <a:r>
+              <a:rPr lang="en-US" altLang="zh-TW" sz="2000" dirty="0" smtClean="0"/>
+              <a:t>:</a:t>
+            </a:r>
+            <a:r>
+              <a:rPr lang="zh-TW" altLang="en-US" sz="2000" dirty="0" smtClean="0"/>
+              <a:t> 其他</a:t>
+            </a:r>
+            <a:endParaRPr lang="zh-TW" altLang="en-US" sz="2000" dirty="0"/>
           </a:p>
         </p:txBody>
       </p:sp>
@@ -6783,7 +6849,7 @@
           <p:cNvPr id="6" name="矩形 5">
             <a:extLst>
               <a:ext uri="{FF2B5EF4-FFF2-40B4-BE49-F238E27FC236}">
-                <a16:creationId xmlns:a16="http://schemas.microsoft.com/office/drawing/2014/main" id="{3AA17EAE-2DB8-4C14-A06E-8E4A8DAC3FFA}"/>
+                <a16:creationId xmlns:a16="http://schemas.microsoft.com/office/drawing/2014/main" xmlns="" id="{3AA17EAE-2DB8-4C14-A06E-8E4A8DAC3FFA}"/>
               </a:ext>
             </a:extLst>
           </p:cNvPr>
@@ -6827,7 +6893,7 @@
           <p:cNvPr id="8" name="矩形 7">
             <a:extLst>
               <a:ext uri="{FF2B5EF4-FFF2-40B4-BE49-F238E27FC236}">
-                <a16:creationId xmlns:a16="http://schemas.microsoft.com/office/drawing/2014/main" id="{15086CD2-944D-4D0E-B5DB-9C9B0A947E88}"/>
+                <a16:creationId xmlns:a16="http://schemas.microsoft.com/office/drawing/2014/main" xmlns="" id="{15086CD2-944D-4D0E-B5DB-9C9B0A947E88}"/>
               </a:ext>
             </a:extLst>
           </p:cNvPr>
@@ -6877,7 +6943,7 @@
           <p:cNvPr id="9" name="矩形 8">
             <a:extLst>
               <a:ext uri="{FF2B5EF4-FFF2-40B4-BE49-F238E27FC236}">
-                <a16:creationId xmlns:a16="http://schemas.microsoft.com/office/drawing/2014/main" id="{B954C276-32A1-4648-A7A9-93F1B1A9E27D}"/>
+                <a16:creationId xmlns:a16="http://schemas.microsoft.com/office/drawing/2014/main" xmlns="" id="{B954C276-32A1-4648-A7A9-93F1B1A9E27D}"/>
               </a:ext>
             </a:extLst>
           </p:cNvPr>
@@ -6942,7 +7008,7 @@
           <p:cNvPr id="10" name="矩形 9">
             <a:extLst>
               <a:ext uri="{FF2B5EF4-FFF2-40B4-BE49-F238E27FC236}">
-                <a16:creationId xmlns:a16="http://schemas.microsoft.com/office/drawing/2014/main" id="{0C0E5154-7999-4E45-9704-D7EACF5CE878}"/>
+                <a16:creationId xmlns:a16="http://schemas.microsoft.com/office/drawing/2014/main" xmlns="" id="{0C0E5154-7999-4E45-9704-D7EACF5CE878}"/>
               </a:ext>
             </a:extLst>
           </p:cNvPr>
@@ -6991,7 +7057,7 @@
           <p:cNvPr id="11" name="矩形 10">
             <a:extLst>
               <a:ext uri="{FF2B5EF4-FFF2-40B4-BE49-F238E27FC236}">
-                <a16:creationId xmlns:a16="http://schemas.microsoft.com/office/drawing/2014/main" id="{514D0BCC-07DC-4C67-B8FA-B9F0BAEE66FE}"/>
+                <a16:creationId xmlns:a16="http://schemas.microsoft.com/office/drawing/2014/main" xmlns="" id="{514D0BCC-07DC-4C67-B8FA-B9F0BAEE66FE}"/>
               </a:ext>
             </a:extLst>
           </p:cNvPr>
@@ -7040,7 +7106,7 @@
           <p:cNvPr id="12" name="矩形 11">
             <a:extLst>
               <a:ext uri="{FF2B5EF4-FFF2-40B4-BE49-F238E27FC236}">
-                <a16:creationId xmlns:a16="http://schemas.microsoft.com/office/drawing/2014/main" id="{B9D634FB-B3C9-4346-A47F-E56B8415617F}"/>
+                <a16:creationId xmlns:a16="http://schemas.microsoft.com/office/drawing/2014/main" xmlns="" id="{B9D634FB-B3C9-4346-A47F-E56B8415617F}"/>
               </a:ext>
             </a:extLst>
           </p:cNvPr>
@@ -7092,7 +7158,7 @@
           <p:cNvPr id="14" name="矩形 13">
             <a:extLst>
               <a:ext uri="{FF2B5EF4-FFF2-40B4-BE49-F238E27FC236}">
-                <a16:creationId xmlns:a16="http://schemas.microsoft.com/office/drawing/2014/main" id="{1F281AC1-D342-4D0B-B542-5A033D422CA2}"/>
+                <a16:creationId xmlns:a16="http://schemas.microsoft.com/office/drawing/2014/main" xmlns="" id="{1F281AC1-D342-4D0B-B542-5A033D422CA2}"/>
               </a:ext>
             </a:extLst>
           </p:cNvPr>
@@ -7149,7 +7215,7 @@
           <p:cNvPr id="15" name="矩形 14">
             <a:extLst>
               <a:ext uri="{FF2B5EF4-FFF2-40B4-BE49-F238E27FC236}">
-                <a16:creationId xmlns:a16="http://schemas.microsoft.com/office/drawing/2014/main" id="{F700BC02-0A5C-4650-AA83-9FC6B03AC474}"/>
+                <a16:creationId xmlns:a16="http://schemas.microsoft.com/office/drawing/2014/main" xmlns="" id="{F700BC02-0A5C-4650-AA83-9FC6B03AC474}"/>
               </a:ext>
             </a:extLst>
           </p:cNvPr>
@@ -7206,7 +7272,7 @@
           <p:cNvPr id="16" name="矩形 15">
             <a:extLst>
               <a:ext uri="{FF2B5EF4-FFF2-40B4-BE49-F238E27FC236}">
-                <a16:creationId xmlns:a16="http://schemas.microsoft.com/office/drawing/2014/main" id="{892662F4-AB57-4DA6-B80C-04CD12537B24}"/>
+                <a16:creationId xmlns:a16="http://schemas.microsoft.com/office/drawing/2014/main" xmlns="" id="{892662F4-AB57-4DA6-B80C-04CD12537B24}"/>
               </a:ext>
             </a:extLst>
           </p:cNvPr>
@@ -7255,7 +7321,7 @@
           <p:cNvPr id="17" name="矩形 16">
             <a:extLst>
               <a:ext uri="{FF2B5EF4-FFF2-40B4-BE49-F238E27FC236}">
-                <a16:creationId xmlns:a16="http://schemas.microsoft.com/office/drawing/2014/main" id="{422704F6-DFD4-4F19-A97C-C60281B5422B}"/>
+                <a16:creationId xmlns:a16="http://schemas.microsoft.com/office/drawing/2014/main" xmlns="" id="{422704F6-DFD4-4F19-A97C-C60281B5422B}"/>
               </a:ext>
             </a:extLst>
           </p:cNvPr>
@@ -7312,7 +7378,7 @@
           <p:cNvPr id="18" name="箭號: 向下 17">
             <a:extLst>
               <a:ext uri="{FF2B5EF4-FFF2-40B4-BE49-F238E27FC236}">
-                <a16:creationId xmlns:a16="http://schemas.microsoft.com/office/drawing/2014/main" id="{6DFCA1AE-75C4-4FE4-9785-C3012D025B6C}"/>
+                <a16:creationId xmlns:a16="http://schemas.microsoft.com/office/drawing/2014/main" xmlns="" id="{6DFCA1AE-75C4-4FE4-9785-C3012D025B6C}"/>
               </a:ext>
             </a:extLst>
           </p:cNvPr>
@@ -7358,7 +7424,7 @@
           <p:cNvPr id="20" name="箭號: 向下 19">
             <a:extLst>
               <a:ext uri="{FF2B5EF4-FFF2-40B4-BE49-F238E27FC236}">
-                <a16:creationId xmlns:a16="http://schemas.microsoft.com/office/drawing/2014/main" id="{F209EDA4-1597-4104-A24C-7D7E0CBFC0EE}"/>
+                <a16:creationId xmlns:a16="http://schemas.microsoft.com/office/drawing/2014/main" xmlns="" id="{F209EDA4-1597-4104-A24C-7D7E0CBFC0EE}"/>
               </a:ext>
             </a:extLst>
           </p:cNvPr>
@@ -7404,7 +7470,7 @@
           <p:cNvPr id="22" name="箭號: 向下 21">
             <a:extLst>
               <a:ext uri="{FF2B5EF4-FFF2-40B4-BE49-F238E27FC236}">
-                <a16:creationId xmlns:a16="http://schemas.microsoft.com/office/drawing/2014/main" id="{F8F235B1-BBCF-4289-BAFE-2A54AD3A2654}"/>
+                <a16:creationId xmlns:a16="http://schemas.microsoft.com/office/drawing/2014/main" xmlns="" id="{F8F235B1-BBCF-4289-BAFE-2A54AD3A2654}"/>
               </a:ext>
             </a:extLst>
           </p:cNvPr>
@@ -7450,7 +7516,7 @@
           <p:cNvPr id="23" name="矩形 22">
             <a:extLst>
               <a:ext uri="{FF2B5EF4-FFF2-40B4-BE49-F238E27FC236}">
-                <a16:creationId xmlns:a16="http://schemas.microsoft.com/office/drawing/2014/main" id="{2B7D03DD-EA3F-4D85-8A53-22BE0F50F4B6}"/>
+                <a16:creationId xmlns:a16="http://schemas.microsoft.com/office/drawing/2014/main" xmlns="" id="{2B7D03DD-EA3F-4D85-8A53-22BE0F50F4B6}"/>
               </a:ext>
             </a:extLst>
           </p:cNvPr>
@@ -7500,7 +7566,7 @@
           <p:cNvPr id="24" name="矩形 23">
             <a:extLst>
               <a:ext uri="{FF2B5EF4-FFF2-40B4-BE49-F238E27FC236}">
-                <a16:creationId xmlns:a16="http://schemas.microsoft.com/office/drawing/2014/main" id="{02B1D262-D47E-4D4C-9E24-90130665F079}"/>
+                <a16:creationId xmlns:a16="http://schemas.microsoft.com/office/drawing/2014/main" xmlns="" id="{02B1D262-D47E-4D4C-9E24-90130665F079}"/>
               </a:ext>
             </a:extLst>
           </p:cNvPr>
@@ -7550,7 +7616,7 @@
           <p:cNvPr id="25" name="矩形 24">
             <a:extLst>
               <a:ext uri="{FF2B5EF4-FFF2-40B4-BE49-F238E27FC236}">
-                <a16:creationId xmlns:a16="http://schemas.microsoft.com/office/drawing/2014/main" id="{91922701-8127-4E20-8BC0-995B3DA87519}"/>
+                <a16:creationId xmlns:a16="http://schemas.microsoft.com/office/drawing/2014/main" xmlns="" id="{91922701-8127-4E20-8BC0-995B3DA87519}"/>
               </a:ext>
             </a:extLst>
           </p:cNvPr>
@@ -7602,7 +7668,7 @@
           <p:cNvPr id="28" name="矩形 27">
             <a:extLst>
               <a:ext uri="{FF2B5EF4-FFF2-40B4-BE49-F238E27FC236}">
-                <a16:creationId xmlns:a16="http://schemas.microsoft.com/office/drawing/2014/main" id="{7CB72AFE-3FD8-4D9A-8E02-72FD7005D25B}"/>
+                <a16:creationId xmlns:a16="http://schemas.microsoft.com/office/drawing/2014/main" xmlns="" id="{7CB72AFE-3FD8-4D9A-8E02-72FD7005D25B}"/>
               </a:ext>
             </a:extLst>
           </p:cNvPr>
@@ -7660,7 +7726,7 @@
           <p:cNvPr id="29" name="箭號: 向下 28">
             <a:extLst>
               <a:ext uri="{FF2B5EF4-FFF2-40B4-BE49-F238E27FC236}">
-                <a16:creationId xmlns:a16="http://schemas.microsoft.com/office/drawing/2014/main" id="{94752248-3F31-4A36-AC4C-6E9054F58AA6}"/>
+                <a16:creationId xmlns:a16="http://schemas.microsoft.com/office/drawing/2014/main" xmlns="" id="{94752248-3F31-4A36-AC4C-6E9054F58AA6}"/>
               </a:ext>
             </a:extLst>
           </p:cNvPr>
@@ -7706,7 +7772,7 @@
           <p:cNvPr id="30" name="矩形 29">
             <a:extLst>
               <a:ext uri="{FF2B5EF4-FFF2-40B4-BE49-F238E27FC236}">
-                <a16:creationId xmlns:a16="http://schemas.microsoft.com/office/drawing/2014/main" id="{FB5AEEC0-088B-4345-AFA9-696D7103E14A}"/>
+                <a16:creationId xmlns:a16="http://schemas.microsoft.com/office/drawing/2014/main" xmlns="" id="{FB5AEEC0-088B-4345-AFA9-696D7103E14A}"/>
               </a:ext>
             </a:extLst>
           </p:cNvPr>
@@ -7758,7 +7824,7 @@
           <p:cNvPr id="31" name="矩形 30">
             <a:extLst>
               <a:ext uri="{FF2B5EF4-FFF2-40B4-BE49-F238E27FC236}">
-                <a16:creationId xmlns:a16="http://schemas.microsoft.com/office/drawing/2014/main" id="{7DD2C8D3-C59E-47AC-8CF2-942334893C6E}"/>
+                <a16:creationId xmlns:a16="http://schemas.microsoft.com/office/drawing/2014/main" xmlns="" id="{7DD2C8D3-C59E-47AC-8CF2-942334893C6E}"/>
               </a:ext>
             </a:extLst>
           </p:cNvPr>
@@ -7808,7 +7874,7 @@
           <p:cNvPr id="33" name="矩形 32">
             <a:extLst>
               <a:ext uri="{FF2B5EF4-FFF2-40B4-BE49-F238E27FC236}">
-                <a16:creationId xmlns:a16="http://schemas.microsoft.com/office/drawing/2014/main" id="{BA8EEE39-D6BA-4732-BFB8-F7A20B6F7129}"/>
+                <a16:creationId xmlns:a16="http://schemas.microsoft.com/office/drawing/2014/main" xmlns="" id="{BA8EEE39-D6BA-4732-BFB8-F7A20B6F7129}"/>
               </a:ext>
             </a:extLst>
           </p:cNvPr>
@@ -7852,7 +7918,7 @@
           <p:cNvPr id="34" name="矩形 33">
             <a:extLst>
               <a:ext uri="{FF2B5EF4-FFF2-40B4-BE49-F238E27FC236}">
-                <a16:creationId xmlns:a16="http://schemas.microsoft.com/office/drawing/2014/main" id="{470B316E-EAEF-453E-87B3-376E72ABA7B1}"/>
+                <a16:creationId xmlns:a16="http://schemas.microsoft.com/office/drawing/2014/main" xmlns="" id="{470B316E-EAEF-453E-87B3-376E72ABA7B1}"/>
               </a:ext>
             </a:extLst>
           </p:cNvPr>
@@ -7910,7 +7976,7 @@
           <p:cNvPr id="35" name="箭號: 向下 34">
             <a:extLst>
               <a:ext uri="{FF2B5EF4-FFF2-40B4-BE49-F238E27FC236}">
-                <a16:creationId xmlns:a16="http://schemas.microsoft.com/office/drawing/2014/main" id="{1E6D696B-A5A7-4398-BCD7-1ABF8709347A}"/>
+                <a16:creationId xmlns:a16="http://schemas.microsoft.com/office/drawing/2014/main" xmlns="" id="{1E6D696B-A5A7-4398-BCD7-1ABF8709347A}"/>
               </a:ext>
             </a:extLst>
           </p:cNvPr>
@@ -7956,7 +8022,7 @@
           <p:cNvPr id="36" name="矩形 35">
             <a:extLst>
               <a:ext uri="{FF2B5EF4-FFF2-40B4-BE49-F238E27FC236}">
-                <a16:creationId xmlns:a16="http://schemas.microsoft.com/office/drawing/2014/main" id="{A54529CE-5B60-4055-A46D-443565651900}"/>
+                <a16:creationId xmlns:a16="http://schemas.microsoft.com/office/drawing/2014/main" xmlns="" id="{A54529CE-5B60-4055-A46D-443565651900}"/>
               </a:ext>
             </a:extLst>
           </p:cNvPr>
@@ -8013,7 +8079,7 @@
           <p:cNvPr id="37" name="矩形 36">
             <a:extLst>
               <a:ext uri="{FF2B5EF4-FFF2-40B4-BE49-F238E27FC236}">
-                <a16:creationId xmlns:a16="http://schemas.microsoft.com/office/drawing/2014/main" id="{A747E556-412D-4208-AA42-446DE7F59421}"/>
+                <a16:creationId xmlns:a16="http://schemas.microsoft.com/office/drawing/2014/main" xmlns="" id="{A747E556-412D-4208-AA42-446DE7F59421}"/>
               </a:ext>
             </a:extLst>
           </p:cNvPr>
@@ -8070,7 +8136,7 @@
           <p:cNvPr id="38" name="矩形 37">
             <a:extLst>
               <a:ext uri="{FF2B5EF4-FFF2-40B4-BE49-F238E27FC236}">
-                <a16:creationId xmlns:a16="http://schemas.microsoft.com/office/drawing/2014/main" id="{8881068C-541D-4522-BF4D-01E46A967656}"/>
+                <a16:creationId xmlns:a16="http://schemas.microsoft.com/office/drawing/2014/main" xmlns="" id="{8881068C-541D-4522-BF4D-01E46A967656}"/>
               </a:ext>
             </a:extLst>
           </p:cNvPr>
@@ -8127,7 +8193,7 @@
           <p:cNvPr id="39" name="矩形 38">
             <a:extLst>
               <a:ext uri="{FF2B5EF4-FFF2-40B4-BE49-F238E27FC236}">
-                <a16:creationId xmlns:a16="http://schemas.microsoft.com/office/drawing/2014/main" id="{08372A52-5DA3-4856-A90E-2240656A7777}"/>
+                <a16:creationId xmlns:a16="http://schemas.microsoft.com/office/drawing/2014/main" xmlns="" id="{08372A52-5DA3-4856-A90E-2240656A7777}"/>
               </a:ext>
             </a:extLst>
           </p:cNvPr>
@@ -8176,7 +8242,7 @@
           <p:cNvPr id="40" name="矩形 39">
             <a:extLst>
               <a:ext uri="{FF2B5EF4-FFF2-40B4-BE49-F238E27FC236}">
-                <a16:creationId xmlns:a16="http://schemas.microsoft.com/office/drawing/2014/main" id="{F19D018B-3E3F-4961-8BF9-FC967C5258BB}"/>
+                <a16:creationId xmlns:a16="http://schemas.microsoft.com/office/drawing/2014/main" xmlns="" id="{F19D018B-3E3F-4961-8BF9-FC967C5258BB}"/>
               </a:ext>
             </a:extLst>
           </p:cNvPr>
@@ -8228,7 +8294,7 @@
           <p:cNvPr id="41" name="矩形 40">
             <a:extLst>
               <a:ext uri="{FF2B5EF4-FFF2-40B4-BE49-F238E27FC236}">
-                <a16:creationId xmlns:a16="http://schemas.microsoft.com/office/drawing/2014/main" id="{E72434DE-B7D2-4EC8-AABA-A6C0D81E05AD}"/>
+                <a16:creationId xmlns:a16="http://schemas.microsoft.com/office/drawing/2014/main" xmlns="" id="{E72434DE-B7D2-4EC8-AABA-A6C0D81E05AD}"/>
               </a:ext>
             </a:extLst>
           </p:cNvPr>

--- a/JAVA_TSJ.pptx
+++ b/JAVA_TSJ.pptx
@@ -928,7 +928,7 @@
           <a:p>
             <a:fld id="{6577364E-A8DA-4BBF-8941-ED6A545EBD89}" type="datetimeFigureOut">
               <a:rPr lang="zh-TW" altLang="en-US" smtClean="0"/>
-              <a:t>2021/6/22</a:t>
+              <a:t>2021/6/27</a:t>
             </a:fld>
             <a:endParaRPr lang="zh-TW" altLang="en-US"/>
           </a:p>
@@ -1179,7 +1179,7 @@
           <a:p>
             <a:fld id="{6577364E-A8DA-4BBF-8941-ED6A545EBD89}" type="datetimeFigureOut">
               <a:rPr lang="zh-TW" altLang="en-US" smtClean="0"/>
-              <a:t>2021/6/22</a:t>
+              <a:t>2021/6/27</a:t>
             </a:fld>
             <a:endParaRPr lang="zh-TW" altLang="en-US"/>
           </a:p>
@@ -1493,7 +1493,7 @@
           <a:p>
             <a:fld id="{6577364E-A8DA-4BBF-8941-ED6A545EBD89}" type="datetimeFigureOut">
               <a:rPr lang="zh-TW" altLang="en-US" smtClean="0"/>
-              <a:t>2021/6/22</a:t>
+              <a:t>2021/6/27</a:t>
             </a:fld>
             <a:endParaRPr lang="zh-TW" altLang="en-US"/>
           </a:p>
@@ -1834,7 +1834,7 @@
           <a:p>
             <a:fld id="{6577364E-A8DA-4BBF-8941-ED6A545EBD89}" type="datetimeFigureOut">
               <a:rPr lang="zh-TW" altLang="en-US" smtClean="0"/>
-              <a:t>2021/6/22</a:t>
+              <a:t>2021/6/27</a:t>
             </a:fld>
             <a:endParaRPr lang="zh-TW" altLang="en-US"/>
           </a:p>
@@ -2148,7 +2148,7 @@
           <a:p>
             <a:fld id="{6577364E-A8DA-4BBF-8941-ED6A545EBD89}" type="datetimeFigureOut">
               <a:rPr lang="zh-TW" altLang="en-US" smtClean="0"/>
-              <a:t>2021/6/22</a:t>
+              <a:t>2021/6/27</a:t>
             </a:fld>
             <a:endParaRPr lang="zh-TW" altLang="en-US"/>
           </a:p>
@@ -2541,7 +2541,7 @@
           <a:p>
             <a:fld id="{6577364E-A8DA-4BBF-8941-ED6A545EBD89}" type="datetimeFigureOut">
               <a:rPr lang="zh-TW" altLang="en-US" smtClean="0"/>
-              <a:t>2021/6/22</a:t>
+              <a:t>2021/6/27</a:t>
             </a:fld>
             <a:endParaRPr lang="zh-TW" altLang="en-US"/>
           </a:p>
@@ -2711,7 +2711,7 @@
           <a:p>
             <a:fld id="{6577364E-A8DA-4BBF-8941-ED6A545EBD89}" type="datetimeFigureOut">
               <a:rPr lang="zh-TW" altLang="en-US" smtClean="0"/>
-              <a:t>2021/6/22</a:t>
+              <a:t>2021/6/27</a:t>
             </a:fld>
             <a:endParaRPr lang="zh-TW" altLang="en-US"/>
           </a:p>
@@ -2891,7 +2891,7 @@
           <a:p>
             <a:fld id="{6577364E-A8DA-4BBF-8941-ED6A545EBD89}" type="datetimeFigureOut">
               <a:rPr lang="zh-TW" altLang="en-US" smtClean="0"/>
-              <a:t>2021/6/22</a:t>
+              <a:t>2021/6/27</a:t>
             </a:fld>
             <a:endParaRPr lang="zh-TW" altLang="en-US"/>
           </a:p>
@@ -3067,7 +3067,7 @@
           <a:p>
             <a:fld id="{6577364E-A8DA-4BBF-8941-ED6A545EBD89}" type="datetimeFigureOut">
               <a:rPr lang="zh-TW" altLang="en-US" smtClean="0"/>
-              <a:t>2021/6/22</a:t>
+              <a:t>2021/6/27</a:t>
             </a:fld>
             <a:endParaRPr lang="zh-TW" altLang="en-US"/>
           </a:p>
@@ -3314,7 +3314,7 @@
           <a:p>
             <a:fld id="{6577364E-A8DA-4BBF-8941-ED6A545EBD89}" type="datetimeFigureOut">
               <a:rPr lang="zh-TW" altLang="en-US" smtClean="0"/>
-              <a:t>2021/6/22</a:t>
+              <a:t>2021/6/27</a:t>
             </a:fld>
             <a:endParaRPr lang="zh-TW" altLang="en-US"/>
           </a:p>
@@ -3546,7 +3546,7 @@
           <a:p>
             <a:fld id="{6577364E-A8DA-4BBF-8941-ED6A545EBD89}" type="datetimeFigureOut">
               <a:rPr lang="zh-TW" altLang="en-US" smtClean="0"/>
-              <a:t>2021/6/22</a:t>
+              <a:t>2021/6/27</a:t>
             </a:fld>
             <a:endParaRPr lang="zh-TW" altLang="en-US"/>
           </a:p>
@@ -3920,7 +3920,7 @@
           <a:p>
             <a:fld id="{6577364E-A8DA-4BBF-8941-ED6A545EBD89}" type="datetimeFigureOut">
               <a:rPr lang="zh-TW" altLang="en-US" smtClean="0"/>
-              <a:t>2021/6/22</a:t>
+              <a:t>2021/6/27</a:t>
             </a:fld>
             <a:endParaRPr lang="zh-TW" altLang="en-US"/>
           </a:p>
@@ -4043,7 +4043,7 @@
           <a:p>
             <a:fld id="{6577364E-A8DA-4BBF-8941-ED6A545EBD89}" type="datetimeFigureOut">
               <a:rPr lang="zh-TW" altLang="en-US" smtClean="0"/>
-              <a:t>2021/6/22</a:t>
+              <a:t>2021/6/27</a:t>
             </a:fld>
             <a:endParaRPr lang="zh-TW" altLang="en-US"/>
           </a:p>
@@ -4138,7 +4138,7 @@
           <a:p>
             <a:fld id="{6577364E-A8DA-4BBF-8941-ED6A545EBD89}" type="datetimeFigureOut">
               <a:rPr lang="zh-TW" altLang="en-US" smtClean="0"/>
-              <a:t>2021/6/22</a:t>
+              <a:t>2021/6/27</a:t>
             </a:fld>
             <a:endParaRPr lang="zh-TW" altLang="en-US"/>
           </a:p>
@@ -4393,7 +4393,7 @@
           <a:p>
             <a:fld id="{6577364E-A8DA-4BBF-8941-ED6A545EBD89}" type="datetimeFigureOut">
               <a:rPr lang="zh-TW" altLang="en-US" smtClean="0"/>
-              <a:t>2021/6/22</a:t>
+              <a:t>2021/6/27</a:t>
             </a:fld>
             <a:endParaRPr lang="zh-TW" altLang="en-US"/>
           </a:p>
@@ -4656,7 +4656,7 @@
           <a:p>
             <a:fld id="{6577364E-A8DA-4BBF-8941-ED6A545EBD89}" type="datetimeFigureOut">
               <a:rPr lang="zh-TW" altLang="en-US" smtClean="0"/>
-              <a:t>2021/6/22</a:t>
+              <a:t>2021/6/27</a:t>
             </a:fld>
             <a:endParaRPr lang="zh-TW" altLang="en-US"/>
           </a:p>
@@ -5399,7 +5399,7 @@
           <a:p>
             <a:fld id="{6577364E-A8DA-4BBF-8941-ED6A545EBD89}" type="datetimeFigureOut">
               <a:rPr lang="zh-TW" altLang="en-US" smtClean="0"/>
-              <a:t>2021/6/22</a:t>
+              <a:t>2021/6/27</a:t>
             </a:fld>
             <a:endParaRPr lang="zh-TW" altLang="en-US"/>
           </a:p>
@@ -6293,6 +6293,18 @@
               <a:rPr lang="zh-TW" altLang="en-US" sz="2000" dirty="0"/>
               <a:t>稀疏矩陣之開發</a:t>
             </a:r>
+            <a:r>
+              <a:rPr lang="en-US" altLang="zh-TW" sz="2000" dirty="0"/>
+              <a:t>,</a:t>
+            </a:r>
+            <a:r>
+              <a:rPr lang="en-US" altLang="zh-TW" sz="2000" dirty="0" err="1"/>
+              <a:t>RecordFrame</a:t>
+            </a:r>
+            <a:r>
+              <a:rPr lang="zh-TW" altLang="en-US" sz="2000"/>
+              <a:t>之開發</a:t>
+            </a:r>
             <a:endParaRPr lang="en-US" altLang="zh-TW" sz="2000" dirty="0"/>
           </a:p>
           <a:p>
@@ -6300,78 +6312,61 @@
               <a:buNone/>
             </a:pPr>
             <a:r>
-              <a:rPr lang="en-US" altLang="zh-TW" sz="2000" dirty="0" smtClean="0"/>
+              <a:rPr lang="en-US" altLang="zh-TW" sz="2000" dirty="0"/>
               <a:t>	</a:t>
             </a:r>
-            <a:endParaRPr lang="en-US" altLang="zh-TW" sz="2000" dirty="0"/>
-          </a:p>
-          <a:p>
-            <a:r>
-              <a:rPr lang="zh-TW" altLang="en-US" sz="2000" dirty="0" smtClean="0"/>
+          </a:p>
+          <a:p>
+            <a:r>
+              <a:rPr lang="zh-TW" altLang="en-US" sz="2000" dirty="0"/>
               <a:t>官鼎鈞</a:t>
             </a:r>
             <a:r>
-              <a:rPr lang="en-US" altLang="zh-TW" sz="2000" dirty="0" smtClean="0"/>
+              <a:rPr lang="en-US" altLang="zh-TW" sz="2000" dirty="0"/>
               <a:t>:</a:t>
             </a:r>
             <a:r>
-              <a:rPr lang="zh-TW" altLang="en-US" sz="2000" dirty="0" smtClean="0"/>
+              <a:rPr lang="zh-TW" altLang="en-US" sz="2000" dirty="0"/>
               <a:t> 範例陣列產生</a:t>
             </a:r>
             <a:r>
-              <a:rPr lang="en-US" altLang="zh-TW" sz="2000" dirty="0" smtClean="0"/>
-              <a:t>,</a:t>
-            </a:r>
-            <a:r>
-              <a:rPr lang="en-US" altLang="zh-TW" sz="2000" dirty="0" smtClean="0"/>
-              <a:t>UI</a:t>
-            </a:r>
-            <a:r>
-              <a:rPr lang="zh-TW" altLang="en-US" sz="2000" dirty="0" smtClean="0"/>
-              <a:t>介面協</a:t>
+              <a:rPr lang="en-US" altLang="zh-TW" sz="2000" dirty="0"/>
+              <a:t>,UI</a:t>
             </a:r>
             <a:r>
               <a:rPr lang="zh-TW" altLang="en-US" sz="2000" dirty="0"/>
-              <a:t>助</a:t>
-            </a:r>
-            <a:r>
-              <a:rPr lang="zh-TW" altLang="en-US" sz="2000" dirty="0" smtClean="0"/>
-              <a:t>開發</a:t>
-            </a:r>
-            <a:r>
-              <a:rPr lang="en-US" altLang="zh-TW" sz="2000" dirty="0" smtClean="0"/>
-              <a:t>,</a:t>
-            </a:r>
-            <a:r>
-              <a:rPr lang="en-US" altLang="zh-TW" sz="2000" dirty="0" smtClean="0"/>
-              <a:t>Insertion Sort</a:t>
-            </a:r>
-            <a:r>
-              <a:rPr lang="zh-TW" altLang="en-US" sz="2000" dirty="0" smtClean="0"/>
+              <a:t>介面協助開發</a:t>
+            </a:r>
+            <a:r>
+              <a:rPr lang="en-US" altLang="zh-TW" sz="2000" dirty="0"/>
+              <a:t>,Insertion Sort</a:t>
+            </a:r>
+            <a:r>
+              <a:rPr lang="zh-TW" altLang="en-US" sz="2000" dirty="0"/>
               <a:t>和</a:t>
             </a:r>
             <a:r>
-              <a:rPr lang="en-US" altLang="zh-TW" sz="2000" dirty="0" smtClean="0"/>
+              <a:rPr lang="en-US" altLang="zh-TW" sz="2000" dirty="0"/>
               <a:t>Merge Sort</a:t>
             </a:r>
             <a:r>
-              <a:rPr lang="zh-TW" altLang="en-US" sz="2000" dirty="0" smtClean="0"/>
+              <a:rPr lang="zh-TW" altLang="en-US" sz="2000" dirty="0"/>
               <a:t>的設計</a:t>
             </a:r>
             <a:r>
-              <a:rPr lang="en-US" altLang="zh-TW" sz="2000" dirty="0" smtClean="0"/>
+              <a:rPr lang="en-US" altLang="zh-TW" sz="2000" dirty="0"/>
               <a:t>, 2D</a:t>
             </a:r>
             <a:r>
-              <a:rPr lang="zh-TW" altLang="en-US" sz="2000" dirty="0" smtClean="0"/>
+              <a:rPr lang="zh-TW" altLang="en-US" sz="2000" dirty="0"/>
               <a:t>陣列設計</a:t>
             </a:r>
             <a:r>
-              <a:rPr lang="en-US" altLang="zh-TW" sz="2000" dirty="0" smtClean="0"/>
+              <a:rPr lang="en-US" altLang="zh-TW" sz="2000" dirty="0"/>
               <a:t>, </a:t>
             </a:r>
             <a:r>
-              <a:rPr lang="zh-TW" altLang="en-US" sz="2000" dirty="0" smtClean="0"/>
+              <a:rPr lang="zh-TW" altLang="en-US" sz="2000" dirty="0"/>
               <a:t>矩陣乘法開發</a:t>
             </a:r>
             <a:endParaRPr lang="en-US" altLang="zh-TW" sz="2000" dirty="0"/>
@@ -6384,18 +6379,17 @@
           </a:p>
           <a:p>
             <a:r>
-              <a:rPr lang="zh-TW" altLang="en-US" sz="2000" dirty="0" smtClean="0"/>
+              <a:rPr lang="zh-TW" altLang="en-US" sz="2000" dirty="0"/>
               <a:t>黃泰揚</a:t>
             </a:r>
             <a:r>
-              <a:rPr lang="en-US" altLang="zh-TW" sz="2000" dirty="0" smtClean="0"/>
+              <a:rPr lang="en-US" altLang="zh-TW" sz="2000" dirty="0"/>
               <a:t>:</a:t>
             </a:r>
             <a:r>
-              <a:rPr lang="zh-TW" altLang="en-US" sz="2000" dirty="0" smtClean="0"/>
+              <a:rPr lang="zh-TW" altLang="en-US" sz="2000" dirty="0"/>
               <a:t> 其他</a:t>
             </a:r>
-            <a:endParaRPr lang="zh-TW" altLang="en-US" sz="2000" dirty="0"/>
           </a:p>
         </p:txBody>
       </p:sp>
@@ -6849,7 +6843,7 @@
           <p:cNvPr id="6" name="矩形 5">
             <a:extLst>
               <a:ext uri="{FF2B5EF4-FFF2-40B4-BE49-F238E27FC236}">
-                <a16:creationId xmlns:a16="http://schemas.microsoft.com/office/drawing/2014/main" xmlns="" id="{3AA17EAE-2DB8-4C14-A06E-8E4A8DAC3FFA}"/>
+                <a16:creationId xmlns:a16="http://schemas.microsoft.com/office/drawing/2014/main" id="{3AA17EAE-2DB8-4C14-A06E-8E4A8DAC3FFA}"/>
               </a:ext>
             </a:extLst>
           </p:cNvPr>
@@ -6893,7 +6887,7 @@
           <p:cNvPr id="8" name="矩形 7">
             <a:extLst>
               <a:ext uri="{FF2B5EF4-FFF2-40B4-BE49-F238E27FC236}">
-                <a16:creationId xmlns:a16="http://schemas.microsoft.com/office/drawing/2014/main" xmlns="" id="{15086CD2-944D-4D0E-B5DB-9C9B0A947E88}"/>
+                <a16:creationId xmlns:a16="http://schemas.microsoft.com/office/drawing/2014/main" id="{15086CD2-944D-4D0E-B5DB-9C9B0A947E88}"/>
               </a:ext>
             </a:extLst>
           </p:cNvPr>
@@ -6943,7 +6937,7 @@
           <p:cNvPr id="9" name="矩形 8">
             <a:extLst>
               <a:ext uri="{FF2B5EF4-FFF2-40B4-BE49-F238E27FC236}">
-                <a16:creationId xmlns:a16="http://schemas.microsoft.com/office/drawing/2014/main" xmlns="" id="{B954C276-32A1-4648-A7A9-93F1B1A9E27D}"/>
+                <a16:creationId xmlns:a16="http://schemas.microsoft.com/office/drawing/2014/main" id="{B954C276-32A1-4648-A7A9-93F1B1A9E27D}"/>
               </a:ext>
             </a:extLst>
           </p:cNvPr>
@@ -7008,7 +7002,7 @@
           <p:cNvPr id="10" name="矩形 9">
             <a:extLst>
               <a:ext uri="{FF2B5EF4-FFF2-40B4-BE49-F238E27FC236}">
-                <a16:creationId xmlns:a16="http://schemas.microsoft.com/office/drawing/2014/main" xmlns="" id="{0C0E5154-7999-4E45-9704-D7EACF5CE878}"/>
+                <a16:creationId xmlns:a16="http://schemas.microsoft.com/office/drawing/2014/main" id="{0C0E5154-7999-4E45-9704-D7EACF5CE878}"/>
               </a:ext>
             </a:extLst>
           </p:cNvPr>
@@ -7057,7 +7051,7 @@
           <p:cNvPr id="11" name="矩形 10">
             <a:extLst>
               <a:ext uri="{FF2B5EF4-FFF2-40B4-BE49-F238E27FC236}">
-                <a16:creationId xmlns:a16="http://schemas.microsoft.com/office/drawing/2014/main" xmlns="" id="{514D0BCC-07DC-4C67-B8FA-B9F0BAEE66FE}"/>
+                <a16:creationId xmlns:a16="http://schemas.microsoft.com/office/drawing/2014/main" id="{514D0BCC-07DC-4C67-B8FA-B9F0BAEE66FE}"/>
               </a:ext>
             </a:extLst>
           </p:cNvPr>
@@ -7106,7 +7100,7 @@
           <p:cNvPr id="12" name="矩形 11">
             <a:extLst>
               <a:ext uri="{FF2B5EF4-FFF2-40B4-BE49-F238E27FC236}">
-                <a16:creationId xmlns:a16="http://schemas.microsoft.com/office/drawing/2014/main" xmlns="" id="{B9D634FB-B3C9-4346-A47F-E56B8415617F}"/>
+                <a16:creationId xmlns:a16="http://schemas.microsoft.com/office/drawing/2014/main" id="{B9D634FB-B3C9-4346-A47F-E56B8415617F}"/>
               </a:ext>
             </a:extLst>
           </p:cNvPr>
@@ -7158,7 +7152,7 @@
           <p:cNvPr id="14" name="矩形 13">
             <a:extLst>
               <a:ext uri="{FF2B5EF4-FFF2-40B4-BE49-F238E27FC236}">
-                <a16:creationId xmlns:a16="http://schemas.microsoft.com/office/drawing/2014/main" xmlns="" id="{1F281AC1-D342-4D0B-B542-5A033D422CA2}"/>
+                <a16:creationId xmlns:a16="http://schemas.microsoft.com/office/drawing/2014/main" id="{1F281AC1-D342-4D0B-B542-5A033D422CA2}"/>
               </a:ext>
             </a:extLst>
           </p:cNvPr>
@@ -7215,7 +7209,7 @@
           <p:cNvPr id="15" name="矩形 14">
             <a:extLst>
               <a:ext uri="{FF2B5EF4-FFF2-40B4-BE49-F238E27FC236}">
-                <a16:creationId xmlns:a16="http://schemas.microsoft.com/office/drawing/2014/main" xmlns="" id="{F700BC02-0A5C-4650-AA83-9FC6B03AC474}"/>
+                <a16:creationId xmlns:a16="http://schemas.microsoft.com/office/drawing/2014/main" id="{F700BC02-0A5C-4650-AA83-9FC6B03AC474}"/>
               </a:ext>
             </a:extLst>
           </p:cNvPr>
@@ -7272,7 +7266,7 @@
           <p:cNvPr id="16" name="矩形 15">
             <a:extLst>
               <a:ext uri="{FF2B5EF4-FFF2-40B4-BE49-F238E27FC236}">
-                <a16:creationId xmlns:a16="http://schemas.microsoft.com/office/drawing/2014/main" xmlns="" id="{892662F4-AB57-4DA6-B80C-04CD12537B24}"/>
+                <a16:creationId xmlns:a16="http://schemas.microsoft.com/office/drawing/2014/main" id="{892662F4-AB57-4DA6-B80C-04CD12537B24}"/>
               </a:ext>
             </a:extLst>
           </p:cNvPr>
@@ -7321,7 +7315,7 @@
           <p:cNvPr id="17" name="矩形 16">
             <a:extLst>
               <a:ext uri="{FF2B5EF4-FFF2-40B4-BE49-F238E27FC236}">
-                <a16:creationId xmlns:a16="http://schemas.microsoft.com/office/drawing/2014/main" xmlns="" id="{422704F6-DFD4-4F19-A97C-C60281B5422B}"/>
+                <a16:creationId xmlns:a16="http://schemas.microsoft.com/office/drawing/2014/main" id="{422704F6-DFD4-4F19-A97C-C60281B5422B}"/>
               </a:ext>
             </a:extLst>
           </p:cNvPr>
@@ -7378,7 +7372,7 @@
           <p:cNvPr id="18" name="箭號: 向下 17">
             <a:extLst>
               <a:ext uri="{FF2B5EF4-FFF2-40B4-BE49-F238E27FC236}">
-                <a16:creationId xmlns:a16="http://schemas.microsoft.com/office/drawing/2014/main" xmlns="" id="{6DFCA1AE-75C4-4FE4-9785-C3012D025B6C}"/>
+                <a16:creationId xmlns:a16="http://schemas.microsoft.com/office/drawing/2014/main" id="{6DFCA1AE-75C4-4FE4-9785-C3012D025B6C}"/>
               </a:ext>
             </a:extLst>
           </p:cNvPr>
@@ -7424,7 +7418,7 @@
           <p:cNvPr id="20" name="箭號: 向下 19">
             <a:extLst>
               <a:ext uri="{FF2B5EF4-FFF2-40B4-BE49-F238E27FC236}">
-                <a16:creationId xmlns:a16="http://schemas.microsoft.com/office/drawing/2014/main" xmlns="" id="{F209EDA4-1597-4104-A24C-7D7E0CBFC0EE}"/>
+                <a16:creationId xmlns:a16="http://schemas.microsoft.com/office/drawing/2014/main" id="{F209EDA4-1597-4104-A24C-7D7E0CBFC0EE}"/>
               </a:ext>
             </a:extLst>
           </p:cNvPr>
@@ -7470,7 +7464,7 @@
           <p:cNvPr id="22" name="箭號: 向下 21">
             <a:extLst>
               <a:ext uri="{FF2B5EF4-FFF2-40B4-BE49-F238E27FC236}">
-                <a16:creationId xmlns:a16="http://schemas.microsoft.com/office/drawing/2014/main" xmlns="" id="{F8F235B1-BBCF-4289-BAFE-2A54AD3A2654}"/>
+                <a16:creationId xmlns:a16="http://schemas.microsoft.com/office/drawing/2014/main" id="{F8F235B1-BBCF-4289-BAFE-2A54AD3A2654}"/>
               </a:ext>
             </a:extLst>
           </p:cNvPr>
@@ -7516,7 +7510,7 @@
           <p:cNvPr id="23" name="矩形 22">
             <a:extLst>
               <a:ext uri="{FF2B5EF4-FFF2-40B4-BE49-F238E27FC236}">
-                <a16:creationId xmlns:a16="http://schemas.microsoft.com/office/drawing/2014/main" xmlns="" id="{2B7D03DD-EA3F-4D85-8A53-22BE0F50F4B6}"/>
+                <a16:creationId xmlns:a16="http://schemas.microsoft.com/office/drawing/2014/main" id="{2B7D03DD-EA3F-4D85-8A53-22BE0F50F4B6}"/>
               </a:ext>
             </a:extLst>
           </p:cNvPr>
@@ -7566,7 +7560,7 @@
           <p:cNvPr id="24" name="矩形 23">
             <a:extLst>
               <a:ext uri="{FF2B5EF4-FFF2-40B4-BE49-F238E27FC236}">
-                <a16:creationId xmlns:a16="http://schemas.microsoft.com/office/drawing/2014/main" xmlns="" id="{02B1D262-D47E-4D4C-9E24-90130665F079}"/>
+                <a16:creationId xmlns:a16="http://schemas.microsoft.com/office/drawing/2014/main" id="{02B1D262-D47E-4D4C-9E24-90130665F079}"/>
               </a:ext>
             </a:extLst>
           </p:cNvPr>
@@ -7616,7 +7610,7 @@
           <p:cNvPr id="25" name="矩形 24">
             <a:extLst>
               <a:ext uri="{FF2B5EF4-FFF2-40B4-BE49-F238E27FC236}">
-                <a16:creationId xmlns:a16="http://schemas.microsoft.com/office/drawing/2014/main" xmlns="" id="{91922701-8127-4E20-8BC0-995B3DA87519}"/>
+                <a16:creationId xmlns:a16="http://schemas.microsoft.com/office/drawing/2014/main" id="{91922701-8127-4E20-8BC0-995B3DA87519}"/>
               </a:ext>
             </a:extLst>
           </p:cNvPr>
@@ -7668,7 +7662,7 @@
           <p:cNvPr id="28" name="矩形 27">
             <a:extLst>
               <a:ext uri="{FF2B5EF4-FFF2-40B4-BE49-F238E27FC236}">
-                <a16:creationId xmlns:a16="http://schemas.microsoft.com/office/drawing/2014/main" xmlns="" id="{7CB72AFE-3FD8-4D9A-8E02-72FD7005D25B}"/>
+                <a16:creationId xmlns:a16="http://schemas.microsoft.com/office/drawing/2014/main" id="{7CB72AFE-3FD8-4D9A-8E02-72FD7005D25B}"/>
               </a:ext>
             </a:extLst>
           </p:cNvPr>
@@ -7726,7 +7720,7 @@
           <p:cNvPr id="29" name="箭號: 向下 28">
             <a:extLst>
               <a:ext uri="{FF2B5EF4-FFF2-40B4-BE49-F238E27FC236}">
-                <a16:creationId xmlns:a16="http://schemas.microsoft.com/office/drawing/2014/main" xmlns="" id="{94752248-3F31-4A36-AC4C-6E9054F58AA6}"/>
+                <a16:creationId xmlns:a16="http://schemas.microsoft.com/office/drawing/2014/main" id="{94752248-3F31-4A36-AC4C-6E9054F58AA6}"/>
               </a:ext>
             </a:extLst>
           </p:cNvPr>
@@ -7772,7 +7766,7 @@
           <p:cNvPr id="30" name="矩形 29">
             <a:extLst>
               <a:ext uri="{FF2B5EF4-FFF2-40B4-BE49-F238E27FC236}">
-                <a16:creationId xmlns:a16="http://schemas.microsoft.com/office/drawing/2014/main" xmlns="" id="{FB5AEEC0-088B-4345-AFA9-696D7103E14A}"/>
+                <a16:creationId xmlns:a16="http://schemas.microsoft.com/office/drawing/2014/main" id="{FB5AEEC0-088B-4345-AFA9-696D7103E14A}"/>
               </a:ext>
             </a:extLst>
           </p:cNvPr>
@@ -7824,7 +7818,7 @@
           <p:cNvPr id="31" name="矩形 30">
             <a:extLst>
               <a:ext uri="{FF2B5EF4-FFF2-40B4-BE49-F238E27FC236}">
-                <a16:creationId xmlns:a16="http://schemas.microsoft.com/office/drawing/2014/main" xmlns="" id="{7DD2C8D3-C59E-47AC-8CF2-942334893C6E}"/>
+                <a16:creationId xmlns:a16="http://schemas.microsoft.com/office/drawing/2014/main" id="{7DD2C8D3-C59E-47AC-8CF2-942334893C6E}"/>
               </a:ext>
             </a:extLst>
           </p:cNvPr>
@@ -7874,7 +7868,7 @@
           <p:cNvPr id="33" name="矩形 32">
             <a:extLst>
               <a:ext uri="{FF2B5EF4-FFF2-40B4-BE49-F238E27FC236}">
-                <a16:creationId xmlns:a16="http://schemas.microsoft.com/office/drawing/2014/main" xmlns="" id="{BA8EEE39-D6BA-4732-BFB8-F7A20B6F7129}"/>
+                <a16:creationId xmlns:a16="http://schemas.microsoft.com/office/drawing/2014/main" id="{BA8EEE39-D6BA-4732-BFB8-F7A20B6F7129}"/>
               </a:ext>
             </a:extLst>
           </p:cNvPr>
@@ -7918,7 +7912,7 @@
           <p:cNvPr id="34" name="矩形 33">
             <a:extLst>
               <a:ext uri="{FF2B5EF4-FFF2-40B4-BE49-F238E27FC236}">
-                <a16:creationId xmlns:a16="http://schemas.microsoft.com/office/drawing/2014/main" xmlns="" id="{470B316E-EAEF-453E-87B3-376E72ABA7B1}"/>
+                <a16:creationId xmlns:a16="http://schemas.microsoft.com/office/drawing/2014/main" id="{470B316E-EAEF-453E-87B3-376E72ABA7B1}"/>
               </a:ext>
             </a:extLst>
           </p:cNvPr>
@@ -7976,7 +7970,7 @@
           <p:cNvPr id="35" name="箭號: 向下 34">
             <a:extLst>
               <a:ext uri="{FF2B5EF4-FFF2-40B4-BE49-F238E27FC236}">
-                <a16:creationId xmlns:a16="http://schemas.microsoft.com/office/drawing/2014/main" xmlns="" id="{1E6D696B-A5A7-4398-BCD7-1ABF8709347A}"/>
+                <a16:creationId xmlns:a16="http://schemas.microsoft.com/office/drawing/2014/main" id="{1E6D696B-A5A7-4398-BCD7-1ABF8709347A}"/>
               </a:ext>
             </a:extLst>
           </p:cNvPr>
@@ -8022,7 +8016,7 @@
           <p:cNvPr id="36" name="矩形 35">
             <a:extLst>
               <a:ext uri="{FF2B5EF4-FFF2-40B4-BE49-F238E27FC236}">
-                <a16:creationId xmlns:a16="http://schemas.microsoft.com/office/drawing/2014/main" xmlns="" id="{A54529CE-5B60-4055-A46D-443565651900}"/>
+                <a16:creationId xmlns:a16="http://schemas.microsoft.com/office/drawing/2014/main" id="{A54529CE-5B60-4055-A46D-443565651900}"/>
               </a:ext>
             </a:extLst>
           </p:cNvPr>
@@ -8079,7 +8073,7 @@
           <p:cNvPr id="37" name="矩形 36">
             <a:extLst>
               <a:ext uri="{FF2B5EF4-FFF2-40B4-BE49-F238E27FC236}">
-                <a16:creationId xmlns:a16="http://schemas.microsoft.com/office/drawing/2014/main" xmlns="" id="{A747E556-412D-4208-AA42-446DE7F59421}"/>
+                <a16:creationId xmlns:a16="http://schemas.microsoft.com/office/drawing/2014/main" id="{A747E556-412D-4208-AA42-446DE7F59421}"/>
               </a:ext>
             </a:extLst>
           </p:cNvPr>
@@ -8136,7 +8130,7 @@
           <p:cNvPr id="38" name="矩形 37">
             <a:extLst>
               <a:ext uri="{FF2B5EF4-FFF2-40B4-BE49-F238E27FC236}">
-                <a16:creationId xmlns:a16="http://schemas.microsoft.com/office/drawing/2014/main" xmlns="" id="{8881068C-541D-4522-BF4D-01E46A967656}"/>
+                <a16:creationId xmlns:a16="http://schemas.microsoft.com/office/drawing/2014/main" id="{8881068C-541D-4522-BF4D-01E46A967656}"/>
               </a:ext>
             </a:extLst>
           </p:cNvPr>
@@ -8193,7 +8187,7 @@
           <p:cNvPr id="39" name="矩形 38">
             <a:extLst>
               <a:ext uri="{FF2B5EF4-FFF2-40B4-BE49-F238E27FC236}">
-                <a16:creationId xmlns:a16="http://schemas.microsoft.com/office/drawing/2014/main" xmlns="" id="{08372A52-5DA3-4856-A90E-2240656A7777}"/>
+                <a16:creationId xmlns:a16="http://schemas.microsoft.com/office/drawing/2014/main" id="{08372A52-5DA3-4856-A90E-2240656A7777}"/>
               </a:ext>
             </a:extLst>
           </p:cNvPr>
@@ -8242,7 +8236,7 @@
           <p:cNvPr id="40" name="矩形 39">
             <a:extLst>
               <a:ext uri="{FF2B5EF4-FFF2-40B4-BE49-F238E27FC236}">
-                <a16:creationId xmlns:a16="http://schemas.microsoft.com/office/drawing/2014/main" xmlns="" id="{F19D018B-3E3F-4961-8BF9-FC967C5258BB}"/>
+                <a16:creationId xmlns:a16="http://schemas.microsoft.com/office/drawing/2014/main" id="{F19D018B-3E3F-4961-8BF9-FC967C5258BB}"/>
               </a:ext>
             </a:extLst>
           </p:cNvPr>
@@ -8294,7 +8288,7 @@
           <p:cNvPr id="41" name="矩形 40">
             <a:extLst>
               <a:ext uri="{FF2B5EF4-FFF2-40B4-BE49-F238E27FC236}">
-                <a16:creationId xmlns:a16="http://schemas.microsoft.com/office/drawing/2014/main" xmlns="" id="{E72434DE-B7D2-4EC8-AABA-A6C0D81E05AD}"/>
+                <a16:creationId xmlns:a16="http://schemas.microsoft.com/office/drawing/2014/main" id="{E72434DE-B7D2-4EC8-AABA-A6C0D81E05AD}"/>
               </a:ext>
             </a:extLst>
           </p:cNvPr>
